--- a/Cocktail_Recommendation_System.pptx
+++ b/Cocktail_Recommendation_System.pptx
@@ -7,7 +7,7 @@
     <p:sldMasterId id="2147483668" r:id="rId3"/>
   </p:sldMasterIdLst>
   <p:notesMasterIdLst>
-    <p:notesMasterId r:id="rId19"/>
+    <p:notesMasterId r:id="rId21"/>
   </p:notesMasterIdLst>
   <p:sldIdLst>
     <p:sldId id="278" r:id="rId4"/>
@@ -19,12 +19,14 @@
     <p:sldId id="260" r:id="rId10"/>
     <p:sldId id="261" r:id="rId11"/>
     <p:sldId id="280" r:id="rId12"/>
-    <p:sldId id="262" r:id="rId13"/>
-    <p:sldId id="263" r:id="rId14"/>
-    <p:sldId id="281" r:id="rId15"/>
-    <p:sldId id="264" r:id="rId16"/>
-    <p:sldId id="276" r:id="rId17"/>
-    <p:sldId id="277" r:id="rId18"/>
+    <p:sldId id="283" r:id="rId13"/>
+    <p:sldId id="284" r:id="rId14"/>
+    <p:sldId id="262" r:id="rId15"/>
+    <p:sldId id="263" r:id="rId16"/>
+    <p:sldId id="281" r:id="rId17"/>
+    <p:sldId id="264" r:id="rId18"/>
+    <p:sldId id="276" r:id="rId19"/>
+    <p:sldId id="277" r:id="rId20"/>
   </p:sldIdLst>
   <p:sldSz cx="12192000" cy="6858000"/>
   <p:notesSz cx="6858000" cy="9144000"/>
@@ -6365,6 +6367,554 @@
           <a:lstStyle/>
           <a:p>
             <a:r>
+              <a:t>Proposed Approaches (Model)</a:t>
+            </a:r>
+          </a:p>
+        </p:txBody>
+      </p:sp>
+      <p:sp>
+        <p:nvSpPr>
+          <p:cNvPr id="3" name="Content Placeholder 2"/>
+          <p:cNvSpPr>
+            <a:spLocks noGrp="1"/>
+          </p:cNvSpPr>
+          <p:nvPr>
+            <p:ph idx="1"/>
+          </p:nvPr>
+        </p:nvSpPr>
+        <p:spPr>
+          <a:xfrm>
+            <a:off x="838200" y="1543657"/>
+            <a:ext cx="10515600" cy="1798257"/>
+          </a:xfrm>
+        </p:spPr>
+        <p:txBody>
+          <a:bodyPr>
+            <a:normAutofit fontScale="62500" lnSpcReduction="20000"/>
+          </a:bodyPr>
+          <a:lstStyle/>
+          <a:p>
+            <a:r>
+              <a:rPr dirty="0"/>
+              <a:t>Checks for overfitting and underfitting</a:t>
+            </a:r>
+            <a:r>
+              <a:rPr lang="en-US" dirty="0"/>
+              <a:t> (SVD w/ Random Search) on original survey data (100 records)</a:t>
+            </a:r>
+          </a:p>
+          <a:p>
+            <a:pPr lvl="1"/>
+            <a:r>
+              <a:rPr lang="en-US" dirty="0"/>
+              <a:t>Training RMSE steadily decreases as we reach 20 epochs, indicating that the model continues to improve. However, since the validation RMSE is relatively constant/slightly increasing this shows the model is overfitting, it is learning the training set. </a:t>
+            </a:r>
+          </a:p>
+          <a:p>
+            <a:pPr lvl="1"/>
+            <a:r>
+              <a:rPr lang="en-US" dirty="0"/>
+              <a:t>Best parameters: {'</a:t>
+            </a:r>
+            <a:r>
+              <a:rPr lang="en-US" dirty="0" err="1"/>
+              <a:t>n_factors</a:t>
+            </a:r>
+            <a:r>
+              <a:rPr lang="en-US" dirty="0"/>
+              <a:t>': 100, '</a:t>
+            </a:r>
+            <a:r>
+              <a:rPr lang="en-US" dirty="0" err="1"/>
+              <a:t>n_epochs</a:t>
+            </a:r>
+            <a:r>
+              <a:rPr lang="en-US" dirty="0"/>
+              <a:t>': 20, '</a:t>
+            </a:r>
+            <a:r>
+              <a:rPr lang="en-US" dirty="0" err="1"/>
+              <a:t>lr_all</a:t>
+            </a:r>
+            <a:r>
+              <a:rPr lang="en-US" dirty="0"/>
+              <a:t>': 0.005, '</a:t>
+            </a:r>
+            <a:r>
+              <a:rPr lang="en-US" dirty="0" err="1"/>
+              <a:t>reg_all</a:t>
+            </a:r>
+            <a:r>
+              <a:rPr lang="en-US" dirty="0"/>
+              <a:t>': 0.1} </a:t>
+            </a:r>
+          </a:p>
+          <a:p>
+            <a:pPr lvl="1"/>
+            <a:r>
+              <a:rPr lang="en-US" dirty="0"/>
+              <a:t>Validation RMSE: 1.276437999626136</a:t>
+            </a:r>
+          </a:p>
+        </p:txBody>
+      </p:sp>
+      <p:sp>
+        <p:nvSpPr>
+          <p:cNvPr id="11" name="Slide Number Placeholder 10">
+            <a:extLst>
+              <a:ext uri="{FF2B5EF4-FFF2-40B4-BE49-F238E27FC236}">
+                <a16:creationId xmlns:a16="http://schemas.microsoft.com/office/drawing/2014/main" id="{6A29F5B9-E5ED-6E68-88CA-E618CAD0CB8D}"/>
+              </a:ext>
+            </a:extLst>
+          </p:cNvPr>
+          <p:cNvSpPr>
+            <a:spLocks noGrp="1"/>
+          </p:cNvSpPr>
+          <p:nvPr>
+            <p:ph type="sldNum" idx="12"/>
+          </p:nvPr>
+        </p:nvSpPr>
+        <p:spPr/>
+        <p:txBody>
+          <a:bodyPr/>
+          <a:lstStyle/>
+          <a:p>
+            <a:pPr marL="0" lvl="0" indent="0" algn="r" rtl="0">
+              <a:spcBef>
+                <a:spcPts val="0"/>
+              </a:spcBef>
+              <a:spcAft>
+                <a:spcPts val="0"/>
+              </a:spcAft>
+              <a:buNone/>
+            </a:pPr>
+            <a:fld id="{00000000-1234-1234-1234-123412341234}" type="slidenum">
+              <a:rPr lang="en-US" smtClean="0"/>
+              <a:t>10</a:t>
+            </a:fld>
+            <a:endParaRPr lang="en-US"/>
+          </a:p>
+        </p:txBody>
+      </p:sp>
+      <p:pic>
+        <p:nvPicPr>
+          <p:cNvPr id="19" name="Picture 18" descr="A graph of a graph&#10;&#10;Description automatically generated with medium confidence">
+            <a:extLst>
+              <a:ext uri="{FF2B5EF4-FFF2-40B4-BE49-F238E27FC236}">
+                <a16:creationId xmlns:a16="http://schemas.microsoft.com/office/drawing/2014/main" id="{4687D77E-1EA0-231C-017F-273E8D9239E4}"/>
+              </a:ext>
+            </a:extLst>
+          </p:cNvPr>
+          <p:cNvPicPr>
+            <a:picLocks noChangeAspect="1"/>
+          </p:cNvPicPr>
+          <p:nvPr/>
+        </p:nvPicPr>
+        <p:blipFill>
+          <a:blip r:embed="rId2">
+            <a:extLst>
+              <a:ext uri="{28A0092B-C50C-407E-A947-70E740481C1C}">
+                <a14:useLocalDpi xmlns:a14="http://schemas.microsoft.com/office/drawing/2010/main" val="0"/>
+              </a:ext>
+            </a:extLst>
+          </a:blip>
+          <a:stretch>
+            <a:fillRect/>
+          </a:stretch>
+        </p:blipFill>
+        <p:spPr>
+          <a:xfrm>
+            <a:off x="7930461" y="3559157"/>
+            <a:ext cx="3963269" cy="2377962"/>
+          </a:xfrm>
+          <a:prstGeom prst="rect">
+            <a:avLst/>
+          </a:prstGeom>
+        </p:spPr>
+      </p:pic>
+      <p:pic>
+        <p:nvPicPr>
+          <p:cNvPr id="21" name="Picture 20" descr="A graph with blue and orange lines&#10;&#10;Description automatically generated">
+            <a:extLst>
+              <a:ext uri="{FF2B5EF4-FFF2-40B4-BE49-F238E27FC236}">
+                <a16:creationId xmlns:a16="http://schemas.microsoft.com/office/drawing/2014/main" id="{CB810B57-5B7F-EB5D-9997-B52D680828C6}"/>
+              </a:ext>
+            </a:extLst>
+          </p:cNvPr>
+          <p:cNvPicPr>
+            <a:picLocks noChangeAspect="1"/>
+          </p:cNvPicPr>
+          <p:nvPr/>
+        </p:nvPicPr>
+        <p:blipFill>
+          <a:blip r:embed="rId3">
+            <a:extLst>
+              <a:ext uri="{28A0092B-C50C-407E-A947-70E740481C1C}">
+                <a14:useLocalDpi xmlns:a14="http://schemas.microsoft.com/office/drawing/2010/main" val="0"/>
+              </a:ext>
+            </a:extLst>
+          </a:blip>
+          <a:stretch>
+            <a:fillRect/>
+          </a:stretch>
+        </p:blipFill>
+        <p:spPr>
+          <a:xfrm>
+            <a:off x="4058194" y="3493464"/>
+            <a:ext cx="3864428" cy="2318657"/>
+          </a:xfrm>
+          <a:prstGeom prst="rect">
+            <a:avLst/>
+          </a:prstGeom>
+        </p:spPr>
+      </p:pic>
+      <p:pic>
+        <p:nvPicPr>
+          <p:cNvPr id="23" name="Picture 22" descr="A graph with orange and blue lines&#10;&#10;Description automatically generated">
+            <a:extLst>
+              <a:ext uri="{FF2B5EF4-FFF2-40B4-BE49-F238E27FC236}">
+                <a16:creationId xmlns:a16="http://schemas.microsoft.com/office/drawing/2014/main" id="{45EDDA17-6575-1105-D067-DDDF98272236}"/>
+              </a:ext>
+            </a:extLst>
+          </p:cNvPr>
+          <p:cNvPicPr>
+            <a:picLocks noChangeAspect="1"/>
+          </p:cNvPicPr>
+          <p:nvPr/>
+        </p:nvPicPr>
+        <p:blipFill>
+          <a:blip r:embed="rId4">
+            <a:extLst>
+              <a:ext uri="{28A0092B-C50C-407E-A947-70E740481C1C}">
+                <a14:useLocalDpi xmlns:a14="http://schemas.microsoft.com/office/drawing/2010/main" val="0"/>
+              </a:ext>
+            </a:extLst>
+          </a:blip>
+          <a:stretch>
+            <a:fillRect/>
+          </a:stretch>
+        </p:blipFill>
+        <p:spPr>
+          <a:xfrm>
+            <a:off x="87086" y="3493464"/>
+            <a:ext cx="4040777" cy="2424466"/>
+          </a:xfrm>
+          <a:prstGeom prst="rect">
+            <a:avLst/>
+          </a:prstGeom>
+        </p:spPr>
+      </p:pic>
+    </p:spTree>
+    <p:extLst>
+      <p:ext uri="{BB962C8B-B14F-4D97-AF65-F5344CB8AC3E}">
+        <p14:creationId xmlns:p14="http://schemas.microsoft.com/office/powerpoint/2010/main" val="928460449"/>
+      </p:ext>
+    </p:extLst>
+  </p:cSld>
+  <p:clrMapOvr>
+    <a:masterClrMapping/>
+  </p:clrMapOvr>
+</p:sld>
+</file>
+
+<file path=ppt/slides/slide11.xml><?xml version="1.0" encoding="utf-8"?>
+<p:sld xmlns:a="http://schemas.openxmlformats.org/drawingml/2006/main" xmlns:r="http://schemas.openxmlformats.org/officeDocument/2006/relationships" xmlns:p="http://schemas.openxmlformats.org/presentationml/2006/main">
+  <p:cSld>
+    <p:spTree>
+      <p:nvGrpSpPr>
+        <p:cNvPr id="1" name=""/>
+        <p:cNvGrpSpPr/>
+        <p:nvPr/>
+      </p:nvGrpSpPr>
+      <p:grpSpPr>
+        <a:xfrm>
+          <a:off x="0" y="0"/>
+          <a:ext cx="0" cy="0"/>
+          <a:chOff x="0" y="0"/>
+          <a:chExt cx="0" cy="0"/>
+        </a:xfrm>
+      </p:grpSpPr>
+      <p:sp>
+        <p:nvSpPr>
+          <p:cNvPr id="2" name="Title 1"/>
+          <p:cNvSpPr>
+            <a:spLocks noGrp="1"/>
+          </p:cNvSpPr>
+          <p:nvPr>
+            <p:ph type="title"/>
+          </p:nvPr>
+        </p:nvSpPr>
+        <p:spPr/>
+        <p:txBody>
+          <a:bodyPr/>
+          <a:lstStyle/>
+          <a:p>
+            <a:r>
+              <a:t>Proposed Approaches (Model)</a:t>
+            </a:r>
+          </a:p>
+        </p:txBody>
+      </p:sp>
+      <p:sp>
+        <p:nvSpPr>
+          <p:cNvPr id="3" name="Content Placeholder 2"/>
+          <p:cNvSpPr>
+            <a:spLocks noGrp="1"/>
+          </p:cNvSpPr>
+          <p:nvPr>
+            <p:ph idx="1"/>
+          </p:nvPr>
+        </p:nvSpPr>
+        <p:spPr>
+          <a:xfrm>
+            <a:off x="838200" y="1543657"/>
+            <a:ext cx="10515600" cy="1798257"/>
+          </a:xfrm>
+        </p:spPr>
+        <p:txBody>
+          <a:bodyPr>
+            <a:normAutofit fontScale="62500" lnSpcReduction="20000"/>
+          </a:bodyPr>
+          <a:lstStyle/>
+          <a:p>
+            <a:r>
+              <a:rPr dirty="0"/>
+              <a:t>Checks for overfitting and underfitting</a:t>
+            </a:r>
+            <a:r>
+              <a:rPr lang="en-US" dirty="0"/>
+              <a:t> (SVD w/ Random Search) on original synthetic dataset applied to CTGAN (100k records)</a:t>
+            </a:r>
+          </a:p>
+          <a:p>
+            <a:pPr lvl="1"/>
+            <a:r>
+              <a:rPr lang="en-US" dirty="0"/>
+              <a:t>Training RMSE steadily decreases as we reach 20 epochs, indicating that the model continues to improve. However, since the validation RMSE is relatively constant/slightly increasing this shows the model is overfitting, it is learning the training set.</a:t>
+            </a:r>
+          </a:p>
+          <a:p>
+            <a:pPr lvl="1"/>
+            <a:r>
+              <a:rPr lang="en-US" dirty="0"/>
+              <a:t>Best parameters: {'</a:t>
+            </a:r>
+            <a:r>
+              <a:rPr lang="en-US" dirty="0" err="1"/>
+              <a:t>n_factors</a:t>
+            </a:r>
+            <a:r>
+              <a:rPr lang="en-US" dirty="0"/>
+              <a:t>': 150, '</a:t>
+            </a:r>
+            <a:r>
+              <a:rPr lang="en-US" dirty="0" err="1"/>
+              <a:t>n_epochs</a:t>
+            </a:r>
+            <a:r>
+              <a:rPr lang="en-US" dirty="0"/>
+              <a:t>': 10, '</a:t>
+            </a:r>
+            <a:r>
+              <a:rPr lang="en-US" dirty="0" err="1"/>
+              <a:t>lr_all</a:t>
+            </a:r>
+            <a:r>
+              <a:rPr lang="en-US" dirty="0"/>
+              <a:t>': 0.002, '</a:t>
+            </a:r>
+            <a:r>
+              <a:rPr lang="en-US" dirty="0" err="1"/>
+              <a:t>reg_all</a:t>
+            </a:r>
+            <a:r>
+              <a:rPr lang="en-US" dirty="0"/>
+              <a:t>': 0.1} </a:t>
+            </a:r>
+          </a:p>
+          <a:p>
+            <a:pPr lvl="1"/>
+            <a:r>
+              <a:rPr lang="en-US" dirty="0"/>
+              <a:t>Validation RMSE: 1.5233890473123166 </a:t>
+            </a:r>
+          </a:p>
+        </p:txBody>
+      </p:sp>
+      <p:sp>
+        <p:nvSpPr>
+          <p:cNvPr id="11" name="Slide Number Placeholder 10">
+            <a:extLst>
+              <a:ext uri="{FF2B5EF4-FFF2-40B4-BE49-F238E27FC236}">
+                <a16:creationId xmlns:a16="http://schemas.microsoft.com/office/drawing/2014/main" id="{6A29F5B9-E5ED-6E68-88CA-E618CAD0CB8D}"/>
+              </a:ext>
+            </a:extLst>
+          </p:cNvPr>
+          <p:cNvSpPr>
+            <a:spLocks noGrp="1"/>
+          </p:cNvSpPr>
+          <p:nvPr>
+            <p:ph type="sldNum" idx="12"/>
+          </p:nvPr>
+        </p:nvSpPr>
+        <p:spPr/>
+        <p:txBody>
+          <a:bodyPr/>
+          <a:lstStyle/>
+          <a:p>
+            <a:pPr marL="0" lvl="0" indent="0" algn="r" rtl="0">
+              <a:spcBef>
+                <a:spcPts val="0"/>
+              </a:spcBef>
+              <a:spcAft>
+                <a:spcPts val="0"/>
+              </a:spcAft>
+              <a:buNone/>
+            </a:pPr>
+            <a:fld id="{00000000-1234-1234-1234-123412341234}" type="slidenum">
+              <a:rPr lang="en-US" smtClean="0"/>
+              <a:t>11</a:t>
+            </a:fld>
+            <a:endParaRPr lang="en-US"/>
+          </a:p>
+        </p:txBody>
+      </p:sp>
+      <p:pic>
+        <p:nvPicPr>
+          <p:cNvPr id="14" name="Picture 13">
+            <a:extLst>
+              <a:ext uri="{FF2B5EF4-FFF2-40B4-BE49-F238E27FC236}">
+                <a16:creationId xmlns:a16="http://schemas.microsoft.com/office/drawing/2014/main" id="{C30DB80E-B7E8-7154-74AE-F31A46725D05}"/>
+              </a:ext>
+            </a:extLst>
+          </p:cNvPr>
+          <p:cNvPicPr>
+            <a:picLocks noChangeAspect="1"/>
+          </p:cNvPicPr>
+          <p:nvPr/>
+        </p:nvPicPr>
+        <p:blipFill>
+          <a:blip r:embed="rId2"/>
+          <a:stretch>
+            <a:fillRect/>
+          </a:stretch>
+        </p:blipFill>
+        <p:spPr>
+          <a:xfrm>
+            <a:off x="224854" y="3794760"/>
+            <a:ext cx="3213463" cy="1928078"/>
+          </a:xfrm>
+          <a:prstGeom prst="rect">
+            <a:avLst/>
+          </a:prstGeom>
+        </p:spPr>
+      </p:pic>
+      <p:pic>
+        <p:nvPicPr>
+          <p:cNvPr id="15" name="Picture 14">
+            <a:extLst>
+              <a:ext uri="{FF2B5EF4-FFF2-40B4-BE49-F238E27FC236}">
+                <a16:creationId xmlns:a16="http://schemas.microsoft.com/office/drawing/2014/main" id="{8069E914-C967-BB92-8798-C08E47A4B940}"/>
+              </a:ext>
+            </a:extLst>
+          </p:cNvPr>
+          <p:cNvPicPr>
+            <a:picLocks noChangeAspect="1"/>
+          </p:cNvPicPr>
+          <p:nvPr/>
+        </p:nvPicPr>
+        <p:blipFill>
+          <a:blip r:embed="rId3"/>
+          <a:stretch>
+            <a:fillRect/>
+          </a:stretch>
+        </p:blipFill>
+        <p:spPr>
+          <a:xfrm>
+            <a:off x="3974893" y="3681178"/>
+            <a:ext cx="3402766" cy="2041660"/>
+          </a:xfrm>
+          <a:prstGeom prst="rect">
+            <a:avLst/>
+          </a:prstGeom>
+        </p:spPr>
+      </p:pic>
+      <p:pic>
+        <p:nvPicPr>
+          <p:cNvPr id="16" name="Picture 15">
+            <a:extLst>
+              <a:ext uri="{FF2B5EF4-FFF2-40B4-BE49-F238E27FC236}">
+                <a16:creationId xmlns:a16="http://schemas.microsoft.com/office/drawing/2014/main" id="{A3814752-34D3-73C8-212C-AF86FEF60251}"/>
+              </a:ext>
+            </a:extLst>
+          </p:cNvPr>
+          <p:cNvPicPr>
+            <a:picLocks noChangeAspect="1"/>
+          </p:cNvPicPr>
+          <p:nvPr/>
+        </p:nvPicPr>
+        <p:blipFill>
+          <a:blip r:embed="rId4"/>
+          <a:stretch>
+            <a:fillRect/>
+          </a:stretch>
+        </p:blipFill>
+        <p:spPr>
+          <a:xfrm>
+            <a:off x="8042487" y="3794760"/>
+            <a:ext cx="3577389" cy="2146433"/>
+          </a:xfrm>
+          <a:prstGeom prst="rect">
+            <a:avLst/>
+          </a:prstGeom>
+        </p:spPr>
+      </p:pic>
+    </p:spTree>
+    <p:extLst>
+      <p:ext uri="{BB962C8B-B14F-4D97-AF65-F5344CB8AC3E}">
+        <p14:creationId xmlns:p14="http://schemas.microsoft.com/office/powerpoint/2010/main" val="830374825"/>
+      </p:ext>
+    </p:extLst>
+  </p:cSld>
+  <p:clrMapOvr>
+    <a:masterClrMapping/>
+  </p:clrMapOvr>
+</p:sld>
+</file>
+
+<file path=ppt/slides/slide12.xml><?xml version="1.0" encoding="utf-8"?>
+<p:sld xmlns:a="http://schemas.openxmlformats.org/drawingml/2006/main" xmlns:r="http://schemas.openxmlformats.org/officeDocument/2006/relationships" xmlns:p="http://schemas.openxmlformats.org/presentationml/2006/main">
+  <p:cSld>
+    <p:spTree>
+      <p:nvGrpSpPr>
+        <p:cNvPr id="1" name=""/>
+        <p:cNvGrpSpPr/>
+        <p:nvPr/>
+      </p:nvGrpSpPr>
+      <p:grpSpPr>
+        <a:xfrm>
+          <a:off x="0" y="0"/>
+          <a:ext cx="0" cy="0"/>
+          <a:chOff x="0" y="0"/>
+          <a:chExt cx="0" cy="0"/>
+        </a:xfrm>
+      </p:grpSpPr>
+      <p:sp>
+        <p:nvSpPr>
+          <p:cNvPr id="2" name="Title 1"/>
+          <p:cNvSpPr>
+            <a:spLocks noGrp="1"/>
+          </p:cNvSpPr>
+          <p:nvPr>
+            <p:ph type="title"/>
+          </p:nvPr>
+        </p:nvSpPr>
+        <p:spPr/>
+        <p:txBody>
+          <a:bodyPr/>
+          <a:lstStyle/>
+          <a:p>
+            <a:r>
               <a:t>Model Selection</a:t>
             </a:r>
           </a:p>
@@ -6383,7 +6933,7 @@
         <p:spPr/>
         <p:txBody>
           <a:bodyPr>
-            <a:normAutofit/>
+            <a:normAutofit lnSpcReduction="10000"/>
           </a:bodyPr>
           <a:lstStyle/>
           <a:p>
@@ -6403,21 +6953,21 @@
             <a:pPr lvl="1"/>
             <a:r>
               <a:rPr lang="en-US" dirty="0"/>
-              <a:t>Reduces dimensionality</a:t>
+              <a:t>Reduces dimensionality, effective for smaller datasets</a:t>
             </a:r>
           </a:p>
           <a:p>
             <a:pPr lvl="1"/>
             <a:r>
               <a:rPr lang="en-US" dirty="0"/>
-              <a:t>Handles sparsity</a:t>
+              <a:t>Handles sparsity when user ratings are missing or items have not yet been rated</a:t>
             </a:r>
           </a:p>
           <a:p>
             <a:pPr lvl="1"/>
             <a:r>
               <a:rPr lang="en-US" dirty="0"/>
-              <a:t>Scalable</a:t>
+              <a:t>Requires lower computational requirements, easier to train and deploy</a:t>
             </a:r>
           </a:p>
           <a:p>
@@ -6500,7 +7050,7 @@
         </p:blipFill>
         <p:spPr>
           <a:xfrm>
-            <a:off x="5465064" y="1488617"/>
+            <a:off x="9663873" y="1434900"/>
             <a:ext cx="2032000" cy="622300"/>
           </a:xfrm>
           <a:prstGeom prst="rect">
@@ -6522,7 +7072,7 @@
         </p:nvSpPr>
         <p:spPr>
           <a:xfrm>
-            <a:off x="4904813" y="2110917"/>
+            <a:off x="9103622" y="2057200"/>
             <a:ext cx="3152503" cy="954107"/>
           </a:xfrm>
           <a:prstGeom prst="rect">
@@ -6608,7 +7158,7 @@
             </a:pPr>
             <a:fld id="{00000000-1234-1234-1234-123412341234}" type="slidenum">
               <a:rPr lang="en-US" smtClean="0"/>
-              <a:t>10</a:t>
+              <a:t>12</a:t>
             </a:fld>
             <a:endParaRPr lang="en-US"/>
           </a:p>
@@ -6651,420 +7201,6 @@
 </p:sld>
 </file>
 
-<file path=ppt/slides/slide11.xml><?xml version="1.0" encoding="utf-8"?>
-<p:sld xmlns:a="http://schemas.openxmlformats.org/drawingml/2006/main" xmlns:r="http://schemas.openxmlformats.org/officeDocument/2006/relationships" xmlns:p="http://schemas.openxmlformats.org/presentationml/2006/main">
-  <p:cSld>
-    <p:spTree>
-      <p:nvGrpSpPr>
-        <p:cNvPr id="1" name=""/>
-        <p:cNvGrpSpPr/>
-        <p:nvPr/>
-      </p:nvGrpSpPr>
-      <p:grpSpPr>
-        <a:xfrm>
-          <a:off x="0" y="0"/>
-          <a:ext cx="0" cy="0"/>
-          <a:chOff x="0" y="0"/>
-          <a:chExt cx="0" cy="0"/>
-        </a:xfrm>
-      </p:grpSpPr>
-      <p:sp>
-        <p:nvSpPr>
-          <p:cNvPr id="2" name="Title 1"/>
-          <p:cNvSpPr>
-            <a:spLocks noGrp="1"/>
-          </p:cNvSpPr>
-          <p:nvPr>
-            <p:ph type="title"/>
-          </p:nvPr>
-        </p:nvSpPr>
-        <p:spPr/>
-        <p:txBody>
-          <a:bodyPr/>
-          <a:lstStyle/>
-          <a:p>
-            <a:r>
-              <a:t>Results and Learnings</a:t>
-            </a:r>
-          </a:p>
-        </p:txBody>
-      </p:sp>
-      <p:sp>
-        <p:nvSpPr>
-          <p:cNvPr id="3" name="Content Placeholder 2"/>
-          <p:cNvSpPr>
-            <a:spLocks noGrp="1"/>
-          </p:cNvSpPr>
-          <p:nvPr>
-            <p:ph idx="1"/>
-          </p:nvPr>
-        </p:nvSpPr>
-        <p:spPr/>
-        <p:txBody>
-          <a:bodyPr>
-            <a:normAutofit fontScale="70000" lnSpcReduction="20000"/>
-          </a:bodyPr>
-          <a:lstStyle/>
-          <a:p>
-            <a:pPr algn="l">
-              <a:buFont typeface="Arial" panose="020B0604020202020204" pitchFamily="34" charset="0"/>
-              <a:buChar char="•"/>
-            </a:pPr>
-            <a:r>
-              <a:rPr lang="en-US" b="0" i="0" dirty="0">
-                <a:solidFill>
-                  <a:srgbClr val="0D0D0D"/>
-                </a:solidFill>
-                <a:effectLst/>
-                <a:highlight>
-                  <a:srgbClr val="FFFFFF"/>
-                </a:highlight>
-                <a:latin typeface="Söhne"/>
-              </a:rPr>
-              <a:t>Root Mean Squared Error (RMSE) on the validation set: </a:t>
-            </a:r>
-          </a:p>
-          <a:p>
-            <a:pPr lvl="1">
-              <a:buFont typeface="Arial" panose="020B0604020202020204" pitchFamily="34" charset="0"/>
-              <a:buChar char="•"/>
-            </a:pPr>
-            <a:r>
-              <a:rPr lang="en-US" dirty="0"/>
-              <a:t>SVD - Validation RMSE: 1.04</a:t>
-            </a:r>
-          </a:p>
-          <a:p>
-            <a:pPr lvl="1">
-              <a:buFont typeface="Arial" panose="020B0604020202020204" pitchFamily="34" charset="0"/>
-              <a:buChar char="•"/>
-            </a:pPr>
-            <a:r>
-              <a:rPr lang="en-US" dirty="0"/>
-              <a:t>SVD w/ Random Search – Validation RMSE: 0.99</a:t>
-            </a:r>
-          </a:p>
-          <a:p>
-            <a:pPr lvl="2">
-              <a:buFont typeface="Arial" panose="020B0604020202020204" pitchFamily="34" charset="0"/>
-              <a:buChar char="•"/>
-            </a:pPr>
-            <a:r>
-              <a:rPr lang="en-US" dirty="0"/>
-              <a:t>Best parameters: {'</a:t>
-            </a:r>
-            <a:r>
-              <a:rPr lang="en-US" dirty="0" err="1"/>
-              <a:t>n_factors</a:t>
-            </a:r>
-            <a:r>
-              <a:rPr lang="en-US" dirty="0"/>
-              <a:t>': 150, '</a:t>
-            </a:r>
-            <a:r>
-              <a:rPr lang="en-US" dirty="0" err="1"/>
-              <a:t>n_epochs</a:t>
-            </a:r>
-            <a:r>
-              <a:rPr lang="en-US" dirty="0"/>
-              <a:t>': 10, '</a:t>
-            </a:r>
-            <a:r>
-              <a:rPr lang="en-US" dirty="0" err="1"/>
-              <a:t>lr_all</a:t>
-            </a:r>
-            <a:r>
-              <a:rPr lang="en-US" dirty="0"/>
-              <a:t>': 0.002, '</a:t>
-            </a:r>
-            <a:r>
-              <a:rPr lang="en-US" dirty="0" err="1"/>
-              <a:t>reg_all</a:t>
-            </a:r>
-            <a:r>
-              <a:rPr lang="en-US" dirty="0"/>
-              <a:t>': 0.2}</a:t>
-            </a:r>
-            <a:endParaRPr lang="en-US" b="0" i="0" dirty="0">
-              <a:solidFill>
-                <a:srgbClr val="0D0D0D"/>
-              </a:solidFill>
-              <a:effectLst/>
-              <a:highlight>
-                <a:srgbClr val="FFFFFF"/>
-              </a:highlight>
-              <a:latin typeface="Söhne"/>
-            </a:endParaRPr>
-          </a:p>
-          <a:p>
-            <a:r>
-              <a:rPr lang="en-US" dirty="0"/>
-              <a:t>With Random Search the model improved by 0.05 points</a:t>
-            </a:r>
-          </a:p>
-          <a:p>
-            <a:r>
-              <a:rPr lang="en-US" dirty="0"/>
-              <a:t>With the training RMSE decreasing from 0.99 to ~0.68 by the 20</a:t>
-            </a:r>
-            <a:r>
-              <a:rPr lang="en-US" baseline="30000" dirty="0"/>
-              <a:t>th</a:t>
-            </a:r>
-            <a:r>
-              <a:rPr lang="en-US" dirty="0"/>
-              <a:t> epoch and the validation error increasing, it shows the model is learning the training set (overfitting)</a:t>
-            </a:r>
-          </a:p>
-          <a:p>
-            <a:r>
-              <a:rPr lang="en-US" dirty="0"/>
-              <a:t>However, even with data balancing and hyperparameter tuning the above is common</a:t>
-            </a:r>
-          </a:p>
-          <a:p>
-            <a:pPr lvl="1"/>
-            <a:r>
-              <a:rPr lang="en-US" dirty="0"/>
-              <a:t>To optimize the number of latent factors by minimizing the training RMSE, eventually the validation RMSE will start increasing</a:t>
-            </a:r>
-          </a:p>
-          <a:p>
-            <a:r>
-              <a:rPr lang="en-US" b="0" i="0" dirty="0">
-                <a:solidFill>
-                  <a:srgbClr val="0D0D0D"/>
-                </a:solidFill>
-                <a:effectLst/>
-                <a:highlight>
-                  <a:srgbClr val="FFFF00"/>
-                </a:highlight>
-                <a:latin typeface="Söhne"/>
-              </a:rPr>
-              <a:t>Provide visualizations of the model's predictions compared to the actual ratings.</a:t>
-            </a:r>
-          </a:p>
-          <a:p>
-            <a:pPr algn="l">
-              <a:buFont typeface="Arial" panose="020B0604020202020204" pitchFamily="34" charset="0"/>
-              <a:buChar char="•"/>
-            </a:pPr>
-            <a:r>
-              <a:rPr lang="en-US" b="0" i="0" dirty="0">
-                <a:solidFill>
-                  <a:srgbClr val="0D0D0D"/>
-                </a:solidFill>
-                <a:effectLst/>
-                <a:highlight>
-                  <a:srgbClr val="FFFF00"/>
-                </a:highlight>
-                <a:latin typeface="Söhne"/>
-              </a:rPr>
-              <a:t>Highlight key learnings from the project, such as the impact of different features on the recommendations or challenges faced during the project.</a:t>
-            </a:r>
-          </a:p>
-          <a:p>
-            <a:endParaRPr dirty="0"/>
-          </a:p>
-        </p:txBody>
-      </p:sp>
-      <p:sp>
-        <p:nvSpPr>
-          <p:cNvPr id="4" name="Slide Number Placeholder 3">
-            <a:extLst>
-              <a:ext uri="{FF2B5EF4-FFF2-40B4-BE49-F238E27FC236}">
-                <a16:creationId xmlns:a16="http://schemas.microsoft.com/office/drawing/2014/main" id="{C574C1C9-FFED-64F3-52B4-EDB59DD0BF39}"/>
-              </a:ext>
-            </a:extLst>
-          </p:cNvPr>
-          <p:cNvSpPr>
-            <a:spLocks noGrp="1"/>
-          </p:cNvSpPr>
-          <p:nvPr>
-            <p:ph type="sldNum" idx="12"/>
-          </p:nvPr>
-        </p:nvSpPr>
-        <p:spPr/>
-        <p:txBody>
-          <a:bodyPr/>
-          <a:lstStyle/>
-          <a:p>
-            <a:pPr marL="0" lvl="0" indent="0" algn="r" rtl="0">
-              <a:spcBef>
-                <a:spcPts val="0"/>
-              </a:spcBef>
-              <a:spcAft>
-                <a:spcPts val="0"/>
-              </a:spcAft>
-              <a:buNone/>
-            </a:pPr>
-            <a:fld id="{00000000-1234-1234-1234-123412341234}" type="slidenum">
-              <a:rPr lang="en-US" smtClean="0"/>
-              <a:t>11</a:t>
-            </a:fld>
-            <a:endParaRPr lang="en-US"/>
-          </a:p>
-        </p:txBody>
-      </p:sp>
-    </p:spTree>
-  </p:cSld>
-  <p:clrMapOvr>
-    <a:masterClrMapping/>
-  </p:clrMapOvr>
-</p:sld>
-</file>
-
-<file path=ppt/slides/slide12.xml><?xml version="1.0" encoding="utf-8"?>
-<p:sld xmlns:a="http://schemas.openxmlformats.org/drawingml/2006/main" xmlns:r="http://schemas.openxmlformats.org/officeDocument/2006/relationships" xmlns:p="http://schemas.openxmlformats.org/presentationml/2006/main">
-  <p:cSld>
-    <p:spTree>
-      <p:nvGrpSpPr>
-        <p:cNvPr id="1" name=""/>
-        <p:cNvGrpSpPr/>
-        <p:nvPr/>
-      </p:nvGrpSpPr>
-      <p:grpSpPr>
-        <a:xfrm>
-          <a:off x="0" y="0"/>
-          <a:ext cx="0" cy="0"/>
-          <a:chOff x="0" y="0"/>
-          <a:chExt cx="0" cy="0"/>
-        </a:xfrm>
-      </p:grpSpPr>
-      <p:sp>
-        <p:nvSpPr>
-          <p:cNvPr id="2" name="Title 1"/>
-          <p:cNvSpPr>
-            <a:spLocks noGrp="1"/>
-          </p:cNvSpPr>
-          <p:nvPr>
-            <p:ph type="title"/>
-          </p:nvPr>
-        </p:nvSpPr>
-        <p:spPr/>
-        <p:txBody>
-          <a:bodyPr/>
-          <a:lstStyle/>
-          <a:p>
-            <a:r>
-              <a:t>Results and Learnings</a:t>
-            </a:r>
-          </a:p>
-        </p:txBody>
-      </p:sp>
-      <p:pic>
-        <p:nvPicPr>
-          <p:cNvPr id="5" name="Content Placeholder 4">
-            <a:extLst>
-              <a:ext uri="{FF2B5EF4-FFF2-40B4-BE49-F238E27FC236}">
-                <a16:creationId xmlns:a16="http://schemas.microsoft.com/office/drawing/2014/main" id="{515A353C-1EFB-F629-14FA-2E05B12ACD68}"/>
-              </a:ext>
-            </a:extLst>
-          </p:cNvPr>
-          <p:cNvPicPr>
-            <a:picLocks noGrp="1" noChangeAspect="1"/>
-          </p:cNvPicPr>
-          <p:nvPr>
-            <p:ph idx="1"/>
-          </p:nvPr>
-        </p:nvPicPr>
-        <p:blipFill>
-          <a:blip r:embed="rId2"/>
-          <a:stretch>
-            <a:fillRect/>
-          </a:stretch>
-        </p:blipFill>
-        <p:spPr>
-          <a:xfrm>
-            <a:off x="1052068" y="1790700"/>
-            <a:ext cx="3479800" cy="1562100"/>
-          </a:xfrm>
-          <a:prstGeom prst="rect">
-            <a:avLst/>
-          </a:prstGeom>
-        </p:spPr>
-      </p:pic>
-      <p:sp>
-        <p:nvSpPr>
-          <p:cNvPr id="4" name="Slide Number Placeholder 3">
-            <a:extLst>
-              <a:ext uri="{FF2B5EF4-FFF2-40B4-BE49-F238E27FC236}">
-                <a16:creationId xmlns:a16="http://schemas.microsoft.com/office/drawing/2014/main" id="{C574C1C9-FFED-64F3-52B4-EDB59DD0BF39}"/>
-              </a:ext>
-            </a:extLst>
-          </p:cNvPr>
-          <p:cNvSpPr>
-            <a:spLocks noGrp="1"/>
-          </p:cNvSpPr>
-          <p:nvPr>
-            <p:ph type="sldNum" idx="12"/>
-          </p:nvPr>
-        </p:nvSpPr>
-        <p:spPr/>
-        <p:txBody>
-          <a:bodyPr/>
-          <a:lstStyle/>
-          <a:p>
-            <a:pPr marL="0" lvl="0" indent="0" algn="r" rtl="0">
-              <a:spcBef>
-                <a:spcPts val="0"/>
-              </a:spcBef>
-              <a:spcAft>
-                <a:spcPts val="0"/>
-              </a:spcAft>
-              <a:buNone/>
-            </a:pPr>
-            <a:fld id="{00000000-1234-1234-1234-123412341234}" type="slidenum">
-              <a:rPr lang="en-US" smtClean="0"/>
-              <a:t>12</a:t>
-            </a:fld>
-            <a:endParaRPr lang="en-US"/>
-          </a:p>
-        </p:txBody>
-      </p:sp>
-      <p:pic>
-        <p:nvPicPr>
-          <p:cNvPr id="6" name="Picture 5">
-            <a:extLst>
-              <a:ext uri="{FF2B5EF4-FFF2-40B4-BE49-F238E27FC236}">
-                <a16:creationId xmlns:a16="http://schemas.microsoft.com/office/drawing/2014/main" id="{27A2A333-8483-DBD9-7622-463C443758E7}"/>
-              </a:ext>
-            </a:extLst>
-          </p:cNvPr>
-          <p:cNvPicPr>
-            <a:picLocks noChangeAspect="1"/>
-          </p:cNvPicPr>
-          <p:nvPr/>
-        </p:nvPicPr>
-        <p:blipFill>
-          <a:blip r:embed="rId3"/>
-          <a:stretch>
-            <a:fillRect/>
-          </a:stretch>
-        </p:blipFill>
-        <p:spPr>
-          <a:xfrm>
-            <a:off x="1052068" y="3596640"/>
-            <a:ext cx="3429000" cy="1714500"/>
-          </a:xfrm>
-          <a:prstGeom prst="rect">
-            <a:avLst/>
-          </a:prstGeom>
-        </p:spPr>
-      </p:pic>
-    </p:spTree>
-    <p:extLst>
-      <p:ext uri="{BB962C8B-B14F-4D97-AF65-F5344CB8AC3E}">
-        <p14:creationId xmlns:p14="http://schemas.microsoft.com/office/powerpoint/2010/main" val="4078801973"/>
-      </p:ext>
-    </p:extLst>
-  </p:cSld>
-  <p:clrMapOvr>
-    <a:masterClrMapping/>
-  </p:clrMapOvr>
-</p:sld>
-</file>
-
 <file path=ppt/slides/slide13.xml><?xml version="1.0" encoding="utf-8"?>
 <p:sld xmlns:a="http://schemas.openxmlformats.org/drawingml/2006/main" xmlns:r="http://schemas.openxmlformats.org/officeDocument/2006/relationships" xmlns:p="http://schemas.openxmlformats.org/presentationml/2006/main">
   <p:cSld>
@@ -7098,6 +7234,557 @@
           <a:lstStyle/>
           <a:p>
             <a:r>
+              <a:t>Results and Learnings</a:t>
+            </a:r>
+          </a:p>
+        </p:txBody>
+      </p:sp>
+      <p:sp>
+        <p:nvSpPr>
+          <p:cNvPr id="3" name="Content Placeholder 2"/>
+          <p:cNvSpPr>
+            <a:spLocks noGrp="1"/>
+          </p:cNvSpPr>
+          <p:nvPr>
+            <p:ph idx="1"/>
+          </p:nvPr>
+        </p:nvSpPr>
+        <p:spPr/>
+        <p:txBody>
+          <a:bodyPr>
+            <a:normAutofit fontScale="70000" lnSpcReduction="20000"/>
+          </a:bodyPr>
+          <a:lstStyle/>
+          <a:p>
+            <a:pPr algn="l">
+              <a:buFont typeface="Arial" panose="020B0604020202020204" pitchFamily="34" charset="0"/>
+              <a:buChar char="•"/>
+            </a:pPr>
+            <a:r>
+              <a:rPr lang="en-US" b="0" i="0" dirty="0">
+                <a:solidFill>
+                  <a:srgbClr val="0D0D0D"/>
+                </a:solidFill>
+                <a:effectLst/>
+                <a:highlight>
+                  <a:srgbClr val="FFFFFF"/>
+                </a:highlight>
+                <a:latin typeface="Söhne"/>
+              </a:rPr>
+              <a:t>Root Mean Squared Error (RMSE) on the validation set: </a:t>
+            </a:r>
+          </a:p>
+          <a:p>
+            <a:pPr lvl="1">
+              <a:buFont typeface="Arial" panose="020B0604020202020204" pitchFamily="34" charset="0"/>
+              <a:buChar char="•"/>
+            </a:pPr>
+            <a:r>
+              <a:rPr lang="en-US" dirty="0"/>
+              <a:t>SVD - Validation RMSE: 1.04</a:t>
+            </a:r>
+          </a:p>
+          <a:p>
+            <a:pPr lvl="1">
+              <a:buFont typeface="Arial" panose="020B0604020202020204" pitchFamily="34" charset="0"/>
+              <a:buChar char="•"/>
+            </a:pPr>
+            <a:r>
+              <a:rPr lang="en-US" dirty="0"/>
+              <a:t>SVD w/ Random Search – Validation RMSE: 0.99</a:t>
+            </a:r>
+          </a:p>
+          <a:p>
+            <a:pPr lvl="2">
+              <a:buFont typeface="Arial" panose="020B0604020202020204" pitchFamily="34" charset="0"/>
+              <a:buChar char="•"/>
+            </a:pPr>
+            <a:r>
+              <a:rPr lang="en-US" dirty="0"/>
+              <a:t>Best parameters: {'</a:t>
+            </a:r>
+            <a:r>
+              <a:rPr lang="en-US" dirty="0" err="1"/>
+              <a:t>n_factors</a:t>
+            </a:r>
+            <a:r>
+              <a:rPr lang="en-US" dirty="0"/>
+              <a:t>': 150, '</a:t>
+            </a:r>
+            <a:r>
+              <a:rPr lang="en-US" dirty="0" err="1"/>
+              <a:t>n_epochs</a:t>
+            </a:r>
+            <a:r>
+              <a:rPr lang="en-US" dirty="0"/>
+              <a:t>': 10, '</a:t>
+            </a:r>
+            <a:r>
+              <a:rPr lang="en-US" dirty="0" err="1"/>
+              <a:t>lr_all</a:t>
+            </a:r>
+            <a:r>
+              <a:rPr lang="en-US" dirty="0"/>
+              <a:t>': 0.002, '</a:t>
+            </a:r>
+            <a:r>
+              <a:rPr lang="en-US" dirty="0" err="1"/>
+              <a:t>reg_all</a:t>
+            </a:r>
+            <a:r>
+              <a:rPr lang="en-US" dirty="0"/>
+              <a:t>': 0.2}</a:t>
+            </a:r>
+            <a:endParaRPr lang="en-US" b="0" i="0" dirty="0">
+              <a:solidFill>
+                <a:srgbClr val="0D0D0D"/>
+              </a:solidFill>
+              <a:effectLst/>
+              <a:highlight>
+                <a:srgbClr val="FFFFFF"/>
+              </a:highlight>
+              <a:latin typeface="Söhne"/>
+            </a:endParaRPr>
+          </a:p>
+          <a:p>
+            <a:r>
+              <a:rPr lang="en-US" dirty="0"/>
+              <a:t>With Random Search the model improved by 0.05 points</a:t>
+            </a:r>
+          </a:p>
+          <a:p>
+            <a:r>
+              <a:rPr lang="en-US" dirty="0"/>
+              <a:t>With the training RMSE decreasing from 0.99 to ~0.68 by the 20</a:t>
+            </a:r>
+            <a:r>
+              <a:rPr lang="en-US" baseline="30000" dirty="0"/>
+              <a:t>th</a:t>
+            </a:r>
+            <a:r>
+              <a:rPr lang="en-US" dirty="0"/>
+              <a:t> epoch and the validation error increasing, it shows the model is learning the training set (overfitting)</a:t>
+            </a:r>
+          </a:p>
+          <a:p>
+            <a:r>
+              <a:rPr lang="en-US" dirty="0"/>
+              <a:t>However, even with data balancing and hyperparameter tuning the above is common</a:t>
+            </a:r>
+          </a:p>
+          <a:p>
+            <a:pPr lvl="1"/>
+            <a:r>
+              <a:rPr lang="en-US" dirty="0"/>
+              <a:t>To optimize the number of latent factors by minimizing the training RMSE, eventually the validation RMSE will start increasing</a:t>
+            </a:r>
+          </a:p>
+          <a:p>
+            <a:r>
+              <a:rPr lang="en-US" b="0" i="0" dirty="0">
+                <a:solidFill>
+                  <a:srgbClr val="0D0D0D"/>
+                </a:solidFill>
+                <a:effectLst/>
+                <a:highlight>
+                  <a:srgbClr val="FFFF00"/>
+                </a:highlight>
+                <a:latin typeface="Söhne"/>
+              </a:rPr>
+              <a:t>Provide visualizations of the model's predictions compared to the actual ratings.</a:t>
+            </a:r>
+          </a:p>
+          <a:p>
+            <a:pPr algn="l">
+              <a:buFont typeface="Arial" panose="020B0604020202020204" pitchFamily="34" charset="0"/>
+              <a:buChar char="•"/>
+            </a:pPr>
+            <a:r>
+              <a:rPr lang="en-US" b="0" i="0" dirty="0">
+                <a:solidFill>
+                  <a:srgbClr val="0D0D0D"/>
+                </a:solidFill>
+                <a:effectLst/>
+                <a:highlight>
+                  <a:srgbClr val="FFFF00"/>
+                </a:highlight>
+                <a:latin typeface="Söhne"/>
+              </a:rPr>
+              <a:t>Highlight key learnings from the project, such as the impact of different features on the recommendations or challenges faced during the project.</a:t>
+            </a:r>
+          </a:p>
+          <a:p>
+            <a:endParaRPr dirty="0"/>
+          </a:p>
+        </p:txBody>
+      </p:sp>
+      <p:sp>
+        <p:nvSpPr>
+          <p:cNvPr id="4" name="Slide Number Placeholder 3">
+            <a:extLst>
+              <a:ext uri="{FF2B5EF4-FFF2-40B4-BE49-F238E27FC236}">
+                <a16:creationId xmlns:a16="http://schemas.microsoft.com/office/drawing/2014/main" id="{C574C1C9-FFED-64F3-52B4-EDB59DD0BF39}"/>
+              </a:ext>
+            </a:extLst>
+          </p:cNvPr>
+          <p:cNvSpPr>
+            <a:spLocks noGrp="1"/>
+          </p:cNvSpPr>
+          <p:nvPr>
+            <p:ph type="sldNum" idx="12"/>
+          </p:nvPr>
+        </p:nvSpPr>
+        <p:spPr/>
+        <p:txBody>
+          <a:bodyPr/>
+          <a:lstStyle/>
+          <a:p>
+            <a:pPr marL="0" lvl="0" indent="0" algn="r" rtl="0">
+              <a:spcBef>
+                <a:spcPts val="0"/>
+              </a:spcBef>
+              <a:spcAft>
+                <a:spcPts val="0"/>
+              </a:spcAft>
+              <a:buNone/>
+            </a:pPr>
+            <a:fld id="{00000000-1234-1234-1234-123412341234}" type="slidenum">
+              <a:rPr lang="en-US" smtClean="0"/>
+              <a:t>13</a:t>
+            </a:fld>
+            <a:endParaRPr lang="en-US"/>
+          </a:p>
+        </p:txBody>
+      </p:sp>
+    </p:spTree>
+  </p:cSld>
+  <p:clrMapOvr>
+    <a:masterClrMapping/>
+  </p:clrMapOvr>
+</p:sld>
+</file>
+
+<file path=ppt/slides/slide14.xml><?xml version="1.0" encoding="utf-8"?>
+<p:sld xmlns:a="http://schemas.openxmlformats.org/drawingml/2006/main" xmlns:r="http://schemas.openxmlformats.org/officeDocument/2006/relationships" xmlns:p="http://schemas.openxmlformats.org/presentationml/2006/main">
+  <p:cSld>
+    <p:spTree>
+      <p:nvGrpSpPr>
+        <p:cNvPr id="1" name=""/>
+        <p:cNvGrpSpPr/>
+        <p:nvPr/>
+      </p:nvGrpSpPr>
+      <p:grpSpPr>
+        <a:xfrm>
+          <a:off x="0" y="0"/>
+          <a:ext cx="0" cy="0"/>
+          <a:chOff x="0" y="0"/>
+          <a:chExt cx="0" cy="0"/>
+        </a:xfrm>
+      </p:grpSpPr>
+      <p:sp>
+        <p:nvSpPr>
+          <p:cNvPr id="2" name="Title 1"/>
+          <p:cNvSpPr>
+            <a:spLocks noGrp="1"/>
+          </p:cNvSpPr>
+          <p:nvPr>
+            <p:ph type="title"/>
+          </p:nvPr>
+        </p:nvSpPr>
+        <p:spPr/>
+        <p:txBody>
+          <a:bodyPr/>
+          <a:lstStyle/>
+          <a:p>
+            <a:r>
+              <a:t>Results and Learnings</a:t>
+            </a:r>
+          </a:p>
+        </p:txBody>
+      </p:sp>
+      <p:sp>
+        <p:nvSpPr>
+          <p:cNvPr id="4" name="Slide Number Placeholder 3">
+            <a:extLst>
+              <a:ext uri="{FF2B5EF4-FFF2-40B4-BE49-F238E27FC236}">
+                <a16:creationId xmlns:a16="http://schemas.microsoft.com/office/drawing/2014/main" id="{C574C1C9-FFED-64F3-52B4-EDB59DD0BF39}"/>
+              </a:ext>
+            </a:extLst>
+          </p:cNvPr>
+          <p:cNvSpPr>
+            <a:spLocks noGrp="1"/>
+          </p:cNvSpPr>
+          <p:nvPr>
+            <p:ph type="sldNum" idx="12"/>
+          </p:nvPr>
+        </p:nvSpPr>
+        <p:spPr/>
+        <p:txBody>
+          <a:bodyPr/>
+          <a:lstStyle/>
+          <a:p>
+            <a:pPr marL="0" lvl="0" indent="0" algn="r" rtl="0">
+              <a:spcBef>
+                <a:spcPts val="0"/>
+              </a:spcBef>
+              <a:spcAft>
+                <a:spcPts val="0"/>
+              </a:spcAft>
+              <a:buNone/>
+            </a:pPr>
+            <a:fld id="{00000000-1234-1234-1234-123412341234}" type="slidenum">
+              <a:rPr lang="en-US" smtClean="0"/>
+              <a:t>14</a:t>
+            </a:fld>
+            <a:endParaRPr lang="en-US"/>
+          </a:p>
+        </p:txBody>
+      </p:sp>
+      <p:sp>
+        <p:nvSpPr>
+          <p:cNvPr id="7" name="Text Placeholder 6">
+            <a:extLst>
+              <a:ext uri="{FF2B5EF4-FFF2-40B4-BE49-F238E27FC236}">
+                <a16:creationId xmlns:a16="http://schemas.microsoft.com/office/drawing/2014/main" id="{CF8EF307-191C-A342-44E2-D7BF0767CFBE}"/>
+              </a:ext>
+            </a:extLst>
+          </p:cNvPr>
+          <p:cNvSpPr>
+            <a:spLocks noGrp="1"/>
+          </p:cNvSpPr>
+          <p:nvPr>
+            <p:ph type="body" idx="1"/>
+          </p:nvPr>
+        </p:nvSpPr>
+        <p:spPr>
+          <a:xfrm>
+            <a:off x="838200" y="1543657"/>
+            <a:ext cx="2915093" cy="4157428"/>
+          </a:xfrm>
+        </p:spPr>
+        <p:txBody>
+          <a:bodyPr/>
+          <a:lstStyle/>
+          <a:p>
+            <a:r>
+              <a:rPr lang="en-US" dirty="0"/>
+              <a:t>This is with the ~100 </a:t>
+            </a:r>
+            <a:r>
+              <a:rPr lang="en-US" dirty="0" err="1"/>
+              <a:t>user_ratings</a:t>
+            </a:r>
+            <a:endParaRPr lang="en-US" dirty="0"/>
+          </a:p>
+        </p:txBody>
+      </p:sp>
+      <p:pic>
+        <p:nvPicPr>
+          <p:cNvPr id="8" name="Picture 7">
+            <a:extLst>
+              <a:ext uri="{FF2B5EF4-FFF2-40B4-BE49-F238E27FC236}">
+                <a16:creationId xmlns:a16="http://schemas.microsoft.com/office/drawing/2014/main" id="{B7FB6D54-B4B4-92F6-5D7E-6D5DE1CE4392}"/>
+              </a:ext>
+            </a:extLst>
+          </p:cNvPr>
+          <p:cNvPicPr>
+            <a:picLocks noChangeAspect="1"/>
+          </p:cNvPicPr>
+          <p:nvPr/>
+        </p:nvPicPr>
+        <p:blipFill>
+          <a:blip r:embed="rId2"/>
+          <a:stretch>
+            <a:fillRect/>
+          </a:stretch>
+        </p:blipFill>
+        <p:spPr>
+          <a:xfrm>
+            <a:off x="5827233" y="1775173"/>
+            <a:ext cx="3784600" cy="1739900"/>
+          </a:xfrm>
+          <a:prstGeom prst="rect">
+            <a:avLst/>
+          </a:prstGeom>
+        </p:spPr>
+      </p:pic>
+      <p:pic>
+        <p:nvPicPr>
+          <p:cNvPr id="9" name="Picture 8">
+            <a:extLst>
+              <a:ext uri="{FF2B5EF4-FFF2-40B4-BE49-F238E27FC236}">
+                <a16:creationId xmlns:a16="http://schemas.microsoft.com/office/drawing/2014/main" id="{CBF79E25-664D-5204-D76C-A8A3BA47CCB5}"/>
+              </a:ext>
+            </a:extLst>
+          </p:cNvPr>
+          <p:cNvPicPr>
+            <a:picLocks noChangeAspect="1"/>
+          </p:cNvPicPr>
+          <p:nvPr/>
+        </p:nvPicPr>
+        <p:blipFill>
+          <a:blip r:embed="rId3"/>
+          <a:stretch>
+            <a:fillRect/>
+          </a:stretch>
+        </p:blipFill>
+        <p:spPr>
+          <a:xfrm>
+            <a:off x="2899735" y="3999560"/>
+            <a:ext cx="4305300" cy="1498600"/>
+          </a:xfrm>
+          <a:prstGeom prst="rect">
+            <a:avLst/>
+          </a:prstGeom>
+        </p:spPr>
+      </p:pic>
+      <p:pic>
+        <p:nvPicPr>
+          <p:cNvPr id="10" name="Picture 9">
+            <a:extLst>
+              <a:ext uri="{FF2B5EF4-FFF2-40B4-BE49-F238E27FC236}">
+                <a16:creationId xmlns:a16="http://schemas.microsoft.com/office/drawing/2014/main" id="{AB8F06D3-3596-9D25-7A58-B79C8C39F2E2}"/>
+              </a:ext>
+            </a:extLst>
+          </p:cNvPr>
+          <p:cNvPicPr>
+            <a:picLocks noChangeAspect="1"/>
+          </p:cNvPicPr>
+          <p:nvPr/>
+        </p:nvPicPr>
+        <p:blipFill>
+          <a:blip r:embed="rId4"/>
+          <a:stretch>
+            <a:fillRect/>
+          </a:stretch>
+        </p:blipFill>
+        <p:spPr>
+          <a:xfrm>
+            <a:off x="7533020" y="4034438"/>
+            <a:ext cx="4356100" cy="1473200"/>
+          </a:xfrm>
+          <a:prstGeom prst="rect">
+            <a:avLst/>
+          </a:prstGeom>
+        </p:spPr>
+      </p:pic>
+      <p:sp>
+        <p:nvSpPr>
+          <p:cNvPr id="11" name="TextBox 10">
+            <a:extLst>
+              <a:ext uri="{FF2B5EF4-FFF2-40B4-BE49-F238E27FC236}">
+                <a16:creationId xmlns:a16="http://schemas.microsoft.com/office/drawing/2014/main" id="{2BA71F45-BEF5-775D-15FC-25D14384FAC5}"/>
+              </a:ext>
+            </a:extLst>
+          </p:cNvPr>
+          <p:cNvSpPr txBox="1"/>
+          <p:nvPr/>
+        </p:nvSpPr>
+        <p:spPr>
+          <a:xfrm>
+            <a:off x="9611833" y="3785191"/>
+            <a:ext cx="922047" cy="307777"/>
+          </a:xfrm>
+          <a:prstGeom prst="rect">
+            <a:avLst/>
+          </a:prstGeom>
+          <a:noFill/>
+        </p:spPr>
+        <p:txBody>
+          <a:bodyPr wrap="none" rtlCol="0">
+            <a:spAutoFit/>
+          </a:bodyPr>
+          <a:lstStyle/>
+          <a:p>
+            <a:r>
+              <a:rPr lang="en-US" dirty="0" err="1"/>
+              <a:t>Best_svd</a:t>
+            </a:r>
+            <a:endParaRPr lang="en-US" dirty="0"/>
+          </a:p>
+        </p:txBody>
+      </p:sp>
+      <p:sp>
+        <p:nvSpPr>
+          <p:cNvPr id="12" name="TextBox 11">
+            <a:extLst>
+              <a:ext uri="{FF2B5EF4-FFF2-40B4-BE49-F238E27FC236}">
+                <a16:creationId xmlns:a16="http://schemas.microsoft.com/office/drawing/2014/main" id="{BC10F957-2BB4-1935-A5AF-EA395422C02F}"/>
+              </a:ext>
+            </a:extLst>
+          </p:cNvPr>
+          <p:cNvSpPr txBox="1"/>
+          <p:nvPr/>
+        </p:nvSpPr>
+        <p:spPr>
+          <a:xfrm>
+            <a:off x="4582633" y="3785191"/>
+            <a:ext cx="554960" cy="307777"/>
+          </a:xfrm>
+          <a:prstGeom prst="rect">
+            <a:avLst/>
+          </a:prstGeom>
+          <a:noFill/>
+        </p:spPr>
+        <p:txBody>
+          <a:bodyPr wrap="none" rtlCol="0">
+            <a:spAutoFit/>
+          </a:bodyPr>
+          <a:lstStyle/>
+          <a:p>
+            <a:r>
+              <a:rPr lang="en-US" dirty="0"/>
+              <a:t>SVD</a:t>
+            </a:r>
+          </a:p>
+        </p:txBody>
+      </p:sp>
+    </p:spTree>
+    <p:extLst>
+      <p:ext uri="{BB962C8B-B14F-4D97-AF65-F5344CB8AC3E}">
+        <p14:creationId xmlns:p14="http://schemas.microsoft.com/office/powerpoint/2010/main" val="4078801973"/>
+      </p:ext>
+    </p:extLst>
+  </p:cSld>
+  <p:clrMapOvr>
+    <a:masterClrMapping/>
+  </p:clrMapOvr>
+</p:sld>
+</file>
+
+<file path=ppt/slides/slide15.xml><?xml version="1.0" encoding="utf-8"?>
+<p:sld xmlns:a="http://schemas.openxmlformats.org/drawingml/2006/main" xmlns:r="http://schemas.openxmlformats.org/officeDocument/2006/relationships" xmlns:p="http://schemas.openxmlformats.org/presentationml/2006/main">
+  <p:cSld>
+    <p:spTree>
+      <p:nvGrpSpPr>
+        <p:cNvPr id="1" name=""/>
+        <p:cNvGrpSpPr/>
+        <p:nvPr/>
+      </p:nvGrpSpPr>
+      <p:grpSpPr>
+        <a:xfrm>
+          <a:off x="0" y="0"/>
+          <a:ext cx="0" cy="0"/>
+          <a:chOff x="0" y="0"/>
+          <a:chExt cx="0" cy="0"/>
+        </a:xfrm>
+      </p:grpSpPr>
+      <p:sp>
+        <p:nvSpPr>
+          <p:cNvPr id="2" name="Title 1"/>
+          <p:cNvSpPr>
+            <a:spLocks noGrp="1"/>
+          </p:cNvSpPr>
+          <p:nvPr>
+            <p:ph type="title"/>
+          </p:nvPr>
+        </p:nvSpPr>
+        <p:spPr/>
+        <p:txBody>
+          <a:bodyPr/>
+          <a:lstStyle/>
+          <a:p>
+            <a:r>
               <a:t>Future Work</a:t>
             </a:r>
           </a:p>
@@ -7243,7 +7930,7 @@
             </a:pPr>
             <a:fld id="{00000000-1234-1234-1234-123412341234}" type="slidenum">
               <a:rPr lang="en-US" smtClean="0"/>
-              <a:t>13</a:t>
+              <a:t>15</a:t>
             </a:fld>
             <a:endParaRPr lang="en-US"/>
           </a:p>
@@ -7257,7 +7944,7 @@
 </p:sld>
 </file>
 
-<file path=ppt/slides/slide14.xml><?xml version="1.0" encoding="utf-8"?>
+<file path=ppt/slides/slide16.xml><?xml version="1.0" encoding="utf-8"?>
 <p:sld xmlns:a="http://schemas.openxmlformats.org/drawingml/2006/main" xmlns:r="http://schemas.openxmlformats.org/officeDocument/2006/relationships" xmlns:p="http://schemas.openxmlformats.org/presentationml/2006/main">
   <p:cSld>
     <p:spTree>
@@ -7306,7 +7993,7 @@
             </a:pPr>
             <a:fld id="{00000000-1234-1234-1234-123412341234}" type="slidenum">
               <a:rPr lang="en-US" smtClean="0"/>
-              <a:t>14</a:t>
+              <a:t>16</a:t>
             </a:fld>
             <a:endParaRPr lang="en-US"/>
           </a:p>
@@ -7325,7 +8012,7 @@
 </p:sld>
 </file>
 
-<file path=ppt/slides/slide15.xml><?xml version="1.0" encoding="utf-8"?>
+<file path=ppt/slides/slide17.xml><?xml version="1.0" encoding="utf-8"?>
 <p:sld xmlns:a="http://schemas.openxmlformats.org/drawingml/2006/main" xmlns:r="http://schemas.openxmlformats.org/officeDocument/2006/relationships" xmlns:p="http://schemas.openxmlformats.org/presentationml/2006/main">
   <p:cSld>
     <p:spTree>
@@ -7562,6 +8249,22 @@
             <a:normAutofit/>
           </a:bodyPr>
           <a:lstStyle/>
+          <a:p>
+            <a:r>
+              <a:rPr lang="en-US" dirty="0"/>
+              <a:t>Dataset web-scrapped from: </a:t>
+            </a:r>
+            <a:r>
+              <a:rPr lang="en-US" dirty="0">
+                <a:hlinkClick r:id="rId2"/>
+              </a:rPr>
+              <a:t>https://dachang.github.io/CocktailViz/</a:t>
+            </a:r>
+            <a:r>
+              <a:rPr lang="en-US" dirty="0"/>
+              <a:t> </a:t>
+            </a:r>
+          </a:p>
           <a:p>
             <a:r>
               <a:rPr lang="en-US" dirty="0"/>
@@ -8395,10 +9098,15 @@
             <p:ph idx="1"/>
           </p:nvPr>
         </p:nvSpPr>
-        <p:spPr/>
+        <p:spPr>
+          <a:xfrm>
+            <a:off x="5765533" y="1543657"/>
+            <a:ext cx="5978893" cy="4157428"/>
+          </a:xfrm>
+        </p:spPr>
         <p:txBody>
           <a:bodyPr>
-            <a:normAutofit fontScale="92500" lnSpcReduction="10000"/>
+            <a:normAutofit fontScale="70000" lnSpcReduction="20000"/>
           </a:bodyPr>
           <a:lstStyle/>
           <a:p>
@@ -8460,7 +9168,14 @@
             <a:pPr lvl="1"/>
             <a:r>
               <a:rPr lang="en-US" dirty="0"/>
-              <a:t>SVD</a:t>
+              <a:t>SVD (Singular Value Decomposition) – matrix factorization technique</a:t>
+            </a:r>
+          </a:p>
+          <a:p>
+            <a:pPr lvl="1"/>
+            <a:r>
+              <a:rPr lang="en-US" dirty="0"/>
+              <a:t>NCF (Neural Collaborative Filtering) – voted against because high computational power required</a:t>
             </a:r>
           </a:p>
           <a:p>
@@ -8480,36 +9195,6 @@
           </a:p>
         </p:txBody>
       </p:sp>
-      <p:pic>
-        <p:nvPicPr>
-          <p:cNvPr id="4" name="Picture 3">
-            <a:extLst>
-              <a:ext uri="{FF2B5EF4-FFF2-40B4-BE49-F238E27FC236}">
-                <a16:creationId xmlns:a16="http://schemas.microsoft.com/office/drawing/2014/main" id="{16A0EFB6-6D1C-ED07-BCAA-E53184F56183}"/>
-              </a:ext>
-            </a:extLst>
-          </p:cNvPr>
-          <p:cNvPicPr>
-            <a:picLocks noChangeAspect="1"/>
-          </p:cNvPicPr>
-          <p:nvPr/>
-        </p:nvPicPr>
-        <p:blipFill>
-          <a:blip r:embed="rId2"/>
-          <a:stretch>
-            <a:fillRect/>
-          </a:stretch>
-        </p:blipFill>
-        <p:spPr>
-          <a:xfrm>
-            <a:off x="7861332" y="511328"/>
-            <a:ext cx="4101160" cy="2064657"/>
-          </a:xfrm>
-          <a:prstGeom prst="rect">
-            <a:avLst/>
-          </a:prstGeom>
-        </p:spPr>
-      </p:pic>
       <p:sp>
         <p:nvSpPr>
           <p:cNvPr id="7" name="Slide Number Placeholder 6">
@@ -8548,6 +9233,465 @@
           </a:p>
         </p:txBody>
       </p:sp>
+      <p:graphicFrame>
+        <p:nvGraphicFramePr>
+          <p:cNvPr id="5" name="Table 4">
+            <a:extLst>
+              <a:ext uri="{FF2B5EF4-FFF2-40B4-BE49-F238E27FC236}">
+                <a16:creationId xmlns:a16="http://schemas.microsoft.com/office/drawing/2014/main" id="{626B69BD-8434-EE3A-4BDA-87FE01064E51}"/>
+              </a:ext>
+            </a:extLst>
+          </p:cNvPr>
+          <p:cNvGraphicFramePr>
+            <a:graphicFrameLocks noGrp="1"/>
+          </p:cNvGraphicFramePr>
+          <p:nvPr>
+            <p:extLst>
+              <p:ext uri="{D42A27DB-BD31-4B8C-83A1-F6EECF244321}">
+                <p14:modId xmlns:p14="http://schemas.microsoft.com/office/powerpoint/2010/main" val="3032542598"/>
+              </p:ext>
+            </p:extLst>
+          </p:nvPr>
+        </p:nvGraphicFramePr>
+        <p:xfrm>
+          <a:off x="838199" y="2509851"/>
+          <a:ext cx="4553553" cy="2225040"/>
+        </p:xfrm>
+        <a:graphic>
+          <a:graphicData uri="http://schemas.openxmlformats.org/drawingml/2006/table">
+            <a:tbl>
+              <a:tblPr firstRow="1" bandRow="1">
+                <a:tableStyleId>{5C22544A-7EE6-4342-B048-85BDC9FD1C3A}</a:tableStyleId>
+              </a:tblPr>
+              <a:tblGrid>
+                <a:gridCol w="1517851">
+                  <a:extLst>
+                    <a:ext uri="{9D8B030D-6E8A-4147-A177-3AD203B41FA5}">
+                      <a16:colId xmlns:a16="http://schemas.microsoft.com/office/drawing/2014/main" val="106624175"/>
+                    </a:ext>
+                  </a:extLst>
+                </a:gridCol>
+                <a:gridCol w="1517851">
+                  <a:extLst>
+                    <a:ext uri="{9D8B030D-6E8A-4147-A177-3AD203B41FA5}">
+                      <a16:colId xmlns:a16="http://schemas.microsoft.com/office/drawing/2014/main" val="1165909669"/>
+                    </a:ext>
+                  </a:extLst>
+                </a:gridCol>
+                <a:gridCol w="1517851">
+                  <a:extLst>
+                    <a:ext uri="{9D8B030D-6E8A-4147-A177-3AD203B41FA5}">
+                      <a16:colId xmlns:a16="http://schemas.microsoft.com/office/drawing/2014/main" val="770520019"/>
+                    </a:ext>
+                  </a:extLst>
+                </a:gridCol>
+              </a:tblGrid>
+              <a:tr h="370840">
+                <a:tc>
+                  <a:txBody>
+                    <a:bodyPr/>
+                    <a:lstStyle/>
+                    <a:p>
+                      <a:pPr algn="ctr" fontAlgn="b"/>
+                      <a:r>
+                        <a:rPr lang="en-US" sz="1200" b="0" i="0" u="none" strike="noStrike" dirty="0">
+                          <a:solidFill>
+                            <a:schemeClr val="bg1"/>
+                          </a:solidFill>
+                          <a:effectLst/>
+                          <a:latin typeface="Aptos Narrow" panose="020B0004020202020204" pitchFamily="34" charset="0"/>
+                        </a:rPr>
+                        <a:t>Cocktail Name 1</a:t>
+                      </a:r>
+                    </a:p>
+                  </a:txBody>
+                  <a:tcPr marL="9525" marR="9525" marT="9525" marB="0" anchor="ctr"/>
+                </a:tc>
+                <a:tc>
+                  <a:txBody>
+                    <a:bodyPr/>
+                    <a:lstStyle/>
+                    <a:p>
+                      <a:pPr algn="ctr" fontAlgn="b"/>
+                      <a:r>
+                        <a:rPr lang="en-US" sz="1200" b="0" i="0" u="none" strike="noStrike" dirty="0">
+                          <a:solidFill>
+                            <a:schemeClr val="bg1"/>
+                          </a:solidFill>
+                          <a:effectLst/>
+                          <a:latin typeface="Aptos Narrow" panose="020B0004020202020204" pitchFamily="34" charset="0"/>
+                        </a:rPr>
+                        <a:t>Cocktail Name 2</a:t>
+                      </a:r>
+                    </a:p>
+                  </a:txBody>
+                  <a:tcPr marL="9525" marR="9525" marT="9525" marB="0" anchor="ctr"/>
+                </a:tc>
+                <a:tc>
+                  <a:txBody>
+                    <a:bodyPr/>
+                    <a:lstStyle/>
+                    <a:p>
+                      <a:pPr algn="ctr" fontAlgn="b"/>
+                      <a:r>
+                        <a:rPr lang="en-US" sz="1200" b="0" i="0" u="none" strike="noStrike" dirty="0">
+                          <a:solidFill>
+                            <a:schemeClr val="bg1"/>
+                          </a:solidFill>
+                          <a:effectLst/>
+                          <a:latin typeface="Aptos Narrow" panose="020B0004020202020204" pitchFamily="34" charset="0"/>
+                        </a:rPr>
+                        <a:t>Similarity Score</a:t>
+                      </a:r>
+                    </a:p>
+                  </a:txBody>
+                  <a:tcPr marL="9525" marR="9525" marT="9525" marB="0" anchor="ctr"/>
+                </a:tc>
+                <a:extLst>
+                  <a:ext uri="{0D108BD9-81ED-4DB2-BD59-A6C34878D82A}">
+                    <a16:rowId xmlns:a16="http://schemas.microsoft.com/office/drawing/2014/main" val="3923358695"/>
+                  </a:ext>
+                </a:extLst>
+              </a:tr>
+              <a:tr h="370840">
+                <a:tc>
+                  <a:txBody>
+                    <a:bodyPr/>
+                    <a:lstStyle/>
+                    <a:p>
+                      <a:pPr algn="ctr" fontAlgn="b"/>
+                      <a:r>
+                        <a:rPr lang="en-US" sz="1200" b="0" i="0" u="none" strike="noStrike" dirty="0">
+                          <a:solidFill>
+                            <a:srgbClr val="000000"/>
+                          </a:solidFill>
+                          <a:effectLst/>
+                          <a:latin typeface="Aptos Narrow" panose="020B0004020202020204" pitchFamily="34" charset="0"/>
+                        </a:rPr>
+                        <a:t>French Connection</a:t>
+                      </a:r>
+                    </a:p>
+                  </a:txBody>
+                  <a:tcPr marL="9525" marR="9525" marT="9525" marB="0" anchor="ctr"/>
+                </a:tc>
+                <a:tc>
+                  <a:txBody>
+                    <a:bodyPr/>
+                    <a:lstStyle/>
+                    <a:p>
+                      <a:pPr algn="ctr" fontAlgn="b"/>
+                      <a:r>
+                        <a:rPr lang="en-US" sz="1200" b="0" i="0" u="none" strike="noStrike" dirty="0">
+                          <a:solidFill>
+                            <a:srgbClr val="000000"/>
+                          </a:solidFill>
+                          <a:effectLst/>
+                          <a:latin typeface="Aptos Narrow" panose="020B0004020202020204" pitchFamily="34" charset="0"/>
+                        </a:rPr>
+                        <a:t>Godfather</a:t>
+                      </a:r>
+                    </a:p>
+                  </a:txBody>
+                  <a:tcPr marL="9525" marR="9525" marT="9525" marB="0" anchor="ctr"/>
+                </a:tc>
+                <a:tc>
+                  <a:txBody>
+                    <a:bodyPr/>
+                    <a:lstStyle/>
+                    <a:p>
+                      <a:pPr algn="ctr" fontAlgn="b"/>
+                      <a:r>
+                        <a:rPr lang="en-US" sz="1200" b="0" i="0" u="none" strike="noStrike">
+                          <a:solidFill>
+                            <a:srgbClr val="000000"/>
+                          </a:solidFill>
+                          <a:effectLst/>
+                          <a:latin typeface="Aptos Narrow" panose="020B0004020202020204" pitchFamily="34" charset="0"/>
+                        </a:rPr>
+                        <a:t>0.85179458</a:t>
+                      </a:r>
+                    </a:p>
+                  </a:txBody>
+                  <a:tcPr marL="9525" marR="9525" marT="9525" marB="0" anchor="ctr"/>
+                </a:tc>
+                <a:extLst>
+                  <a:ext uri="{0D108BD9-81ED-4DB2-BD59-A6C34878D82A}">
+                    <a16:rowId xmlns:a16="http://schemas.microsoft.com/office/drawing/2014/main" val="1686409909"/>
+                  </a:ext>
+                </a:extLst>
+              </a:tr>
+              <a:tr h="370840">
+                <a:tc>
+                  <a:txBody>
+                    <a:bodyPr/>
+                    <a:lstStyle/>
+                    <a:p>
+                      <a:pPr algn="ctr" fontAlgn="b"/>
+                      <a:r>
+                        <a:rPr lang="en-US" sz="1200" b="0" i="0" u="none" strike="noStrike">
+                          <a:solidFill>
+                            <a:srgbClr val="000000"/>
+                          </a:solidFill>
+                          <a:effectLst/>
+                          <a:latin typeface="Aptos Narrow" panose="020B0004020202020204" pitchFamily="34" charset="0"/>
+                        </a:rPr>
+                        <a:t>Martini</a:t>
+                      </a:r>
+                    </a:p>
+                  </a:txBody>
+                  <a:tcPr marL="9525" marR="9525" marT="9525" marB="0" anchor="ctr"/>
+                </a:tc>
+                <a:tc>
+                  <a:txBody>
+                    <a:bodyPr/>
+                    <a:lstStyle/>
+                    <a:p>
+                      <a:pPr algn="ctr" fontAlgn="b"/>
+                      <a:r>
+                        <a:rPr lang="en-US" sz="1200" b="0" i="0" u="none" strike="noStrike" dirty="0">
+                          <a:solidFill>
+                            <a:srgbClr val="000000"/>
+                          </a:solidFill>
+                          <a:effectLst/>
+                          <a:latin typeface="Aptos Narrow" panose="020B0004020202020204" pitchFamily="34" charset="0"/>
+                        </a:rPr>
+                        <a:t>Tequila Martini</a:t>
+                      </a:r>
+                    </a:p>
+                  </a:txBody>
+                  <a:tcPr marL="9525" marR="9525" marT="9525" marB="0" anchor="ctr"/>
+                </a:tc>
+                <a:tc>
+                  <a:txBody>
+                    <a:bodyPr/>
+                    <a:lstStyle/>
+                    <a:p>
+                      <a:pPr algn="ctr" fontAlgn="b"/>
+                      <a:r>
+                        <a:rPr lang="en-US" sz="1200" b="0" i="0" u="none" strike="noStrike" dirty="0">
+                          <a:solidFill>
+                            <a:srgbClr val="000000"/>
+                          </a:solidFill>
+                          <a:effectLst/>
+                          <a:latin typeface="Aptos Narrow" panose="020B0004020202020204" pitchFamily="34" charset="0"/>
+                        </a:rPr>
+                        <a:t>0.66374954</a:t>
+                      </a:r>
+                    </a:p>
+                  </a:txBody>
+                  <a:tcPr marL="9525" marR="9525" marT="9525" marB="0" anchor="ctr"/>
+                </a:tc>
+                <a:extLst>
+                  <a:ext uri="{0D108BD9-81ED-4DB2-BD59-A6C34878D82A}">
+                    <a16:rowId xmlns:a16="http://schemas.microsoft.com/office/drawing/2014/main" val="699617985"/>
+                  </a:ext>
+                </a:extLst>
+              </a:tr>
+              <a:tr h="370840">
+                <a:tc>
+                  <a:txBody>
+                    <a:bodyPr/>
+                    <a:lstStyle/>
+                    <a:p>
+                      <a:pPr algn="ctr" fontAlgn="b"/>
+                      <a:r>
+                        <a:rPr lang="en-US" sz="1200" b="0" i="0" u="none" strike="noStrike">
+                          <a:solidFill>
+                            <a:srgbClr val="000000"/>
+                          </a:solidFill>
+                          <a:effectLst/>
+                          <a:latin typeface="Aptos Narrow" panose="020B0004020202020204" pitchFamily="34" charset="0"/>
+                        </a:rPr>
+                        <a:t>Black Russian</a:t>
+                      </a:r>
+                    </a:p>
+                  </a:txBody>
+                  <a:tcPr marL="9525" marR="9525" marT="9525" marB="0" anchor="ctr"/>
+                </a:tc>
+                <a:tc>
+                  <a:txBody>
+                    <a:bodyPr/>
+                    <a:lstStyle/>
+                    <a:p>
+                      <a:pPr algn="ctr" fontAlgn="b"/>
+                      <a:r>
+                        <a:rPr lang="en-US" sz="1200" b="0" i="0" u="none" strike="noStrike">
+                          <a:solidFill>
+                            <a:srgbClr val="000000"/>
+                          </a:solidFill>
+                          <a:effectLst/>
+                          <a:latin typeface="Aptos Narrow" panose="020B0004020202020204" pitchFamily="34" charset="0"/>
+                        </a:rPr>
+                        <a:t>Dirty Mother</a:t>
+                      </a:r>
+                    </a:p>
+                  </a:txBody>
+                  <a:tcPr marL="9525" marR="9525" marT="9525" marB="0" anchor="ctr"/>
+                </a:tc>
+                <a:tc>
+                  <a:txBody>
+                    <a:bodyPr/>
+                    <a:lstStyle/>
+                    <a:p>
+                      <a:pPr algn="ctr" fontAlgn="b"/>
+                      <a:r>
+                        <a:rPr lang="en-US" sz="1200" b="0" i="0" u="none" strike="noStrike" dirty="0">
+                          <a:solidFill>
+                            <a:srgbClr val="000000"/>
+                          </a:solidFill>
+                          <a:effectLst/>
+                          <a:latin typeface="Aptos Narrow" panose="020B0004020202020204" pitchFamily="34" charset="0"/>
+                        </a:rPr>
+                        <a:t>0.62852109</a:t>
+                      </a:r>
+                    </a:p>
+                  </a:txBody>
+                  <a:tcPr marL="9525" marR="9525" marT="9525" marB="0" anchor="ctr"/>
+                </a:tc>
+                <a:extLst>
+                  <a:ext uri="{0D108BD9-81ED-4DB2-BD59-A6C34878D82A}">
+                    <a16:rowId xmlns:a16="http://schemas.microsoft.com/office/drawing/2014/main" val="532415146"/>
+                  </a:ext>
+                </a:extLst>
+              </a:tr>
+              <a:tr h="370840">
+                <a:tc>
+                  <a:txBody>
+                    <a:bodyPr/>
+                    <a:lstStyle/>
+                    <a:p>
+                      <a:pPr algn="ctr" fontAlgn="b"/>
+                      <a:r>
+                        <a:rPr lang="en-US" sz="1200" b="0" i="0" u="none" strike="noStrike">
+                          <a:solidFill>
+                            <a:srgbClr val="000000"/>
+                          </a:solidFill>
+                          <a:effectLst/>
+                          <a:latin typeface="Aptos Narrow" panose="020B0004020202020204" pitchFamily="34" charset="0"/>
+                        </a:rPr>
+                        <a:t>Black Russian</a:t>
+                      </a:r>
+                    </a:p>
+                  </a:txBody>
+                  <a:tcPr marL="9525" marR="9525" marT="9525" marB="0" anchor="ctr"/>
+                </a:tc>
+                <a:tc>
+                  <a:txBody>
+                    <a:bodyPr/>
+                    <a:lstStyle/>
+                    <a:p>
+                      <a:pPr algn="ctr" fontAlgn="b"/>
+                      <a:r>
+                        <a:rPr lang="en-US" sz="1200" b="0" i="0" u="none" strike="noStrike">
+                          <a:solidFill>
+                            <a:srgbClr val="000000"/>
+                          </a:solidFill>
+                          <a:effectLst/>
+                          <a:latin typeface="Aptos Narrow" panose="020B0004020202020204" pitchFamily="34" charset="0"/>
+                        </a:rPr>
+                        <a:t>Brave Bull</a:t>
+                      </a:r>
+                    </a:p>
+                  </a:txBody>
+                  <a:tcPr marL="9525" marR="9525" marT="9525" marB="0" anchor="ctr"/>
+                </a:tc>
+                <a:tc>
+                  <a:txBody>
+                    <a:bodyPr/>
+                    <a:lstStyle/>
+                    <a:p>
+                      <a:pPr algn="ctr" fontAlgn="b"/>
+                      <a:r>
+                        <a:rPr lang="en-US" sz="1200" b="0" i="0" u="none" strike="noStrike" dirty="0">
+                          <a:solidFill>
+                            <a:srgbClr val="000000"/>
+                          </a:solidFill>
+                          <a:effectLst/>
+                          <a:latin typeface="Aptos Narrow" panose="020B0004020202020204" pitchFamily="34" charset="0"/>
+                        </a:rPr>
+                        <a:t>0.60777374</a:t>
+                      </a:r>
+                    </a:p>
+                  </a:txBody>
+                  <a:tcPr marL="9525" marR="9525" marT="9525" marB="0" anchor="ctr"/>
+                </a:tc>
+                <a:extLst>
+                  <a:ext uri="{0D108BD9-81ED-4DB2-BD59-A6C34878D82A}">
+                    <a16:rowId xmlns:a16="http://schemas.microsoft.com/office/drawing/2014/main" val="2631912631"/>
+                  </a:ext>
+                </a:extLst>
+              </a:tr>
+              <a:tr h="370840">
+                <a:tc>
+                  <a:txBody>
+                    <a:bodyPr/>
+                    <a:lstStyle/>
+                    <a:p>
+                      <a:pPr algn="ctr" fontAlgn="b"/>
+                      <a:r>
+                        <a:rPr lang="en-US" sz="1200" b="0" i="0" u="none" strike="noStrike" dirty="0">
+                          <a:solidFill>
+                            <a:srgbClr val="000000"/>
+                          </a:solidFill>
+                          <a:effectLst/>
+                          <a:latin typeface="Aptos Narrow" panose="020B0004020202020204" pitchFamily="34" charset="0"/>
+                        </a:rPr>
+                        <a:t>Margarita</a:t>
+                      </a:r>
+                    </a:p>
+                  </a:txBody>
+                  <a:tcPr marL="9525" marR="9525" marT="9525" marB="0" anchor="ctr"/>
+                </a:tc>
+                <a:tc>
+                  <a:txBody>
+                    <a:bodyPr/>
+                    <a:lstStyle/>
+                    <a:p>
+                      <a:pPr algn="ctr" fontAlgn="b"/>
+                      <a:r>
+                        <a:rPr lang="en-US" sz="1200" b="0" i="0" u="none" strike="noStrike">
+                          <a:solidFill>
+                            <a:srgbClr val="000000"/>
+                          </a:solidFill>
+                          <a:effectLst/>
+                          <a:latin typeface="Aptos Narrow" panose="020B0004020202020204" pitchFamily="34" charset="0"/>
+                        </a:rPr>
+                        <a:t>Sidecar</a:t>
+                      </a:r>
+                    </a:p>
+                  </a:txBody>
+                  <a:tcPr marL="9525" marR="9525" marT="9525" marB="0" anchor="ctr"/>
+                </a:tc>
+                <a:tc>
+                  <a:txBody>
+                    <a:bodyPr/>
+                    <a:lstStyle/>
+                    <a:p>
+                      <a:pPr algn="ctr" fontAlgn="b"/>
+                      <a:r>
+                        <a:rPr lang="en-US" sz="1200" b="0" i="0" u="none" strike="noStrike" dirty="0">
+                          <a:solidFill>
+                            <a:srgbClr val="000000"/>
+                          </a:solidFill>
+                          <a:effectLst/>
+                          <a:latin typeface="Aptos Narrow" panose="020B0004020202020204" pitchFamily="34" charset="0"/>
+                        </a:rPr>
+                        <a:t>0.582504</a:t>
+                      </a:r>
+                    </a:p>
+                  </a:txBody>
+                  <a:tcPr marL="9525" marR="9525" marT="9525" marB="0" anchor="ctr"/>
+                </a:tc>
+                <a:extLst>
+                  <a:ext uri="{0D108BD9-81ED-4DB2-BD59-A6C34878D82A}">
+                    <a16:rowId xmlns:a16="http://schemas.microsoft.com/office/drawing/2014/main" val="23716058"/>
+                  </a:ext>
+                </a:extLst>
+              </a:tr>
+            </a:tbl>
+          </a:graphicData>
+        </a:graphic>
+      </p:graphicFrame>
     </p:spTree>
   </p:cSld>
   <p:clrMapOvr>
@@ -8589,6 +9733,7 @@
           <a:lstStyle/>
           <a:p>
             <a:r>
+              <a:rPr dirty="0"/>
               <a:t>Proposed Approaches (Model)</a:t>
             </a:r>
           </a:p>
@@ -8612,7 +9757,7 @@
         </p:spPr>
         <p:txBody>
           <a:bodyPr>
-            <a:normAutofit fontScale="77500" lnSpcReduction="20000"/>
+            <a:normAutofit fontScale="62500" lnSpcReduction="20000"/>
           </a:bodyPr>
           <a:lstStyle/>
           <a:p>
@@ -8622,7 +9767,7 @@
             </a:r>
             <a:r>
               <a:rPr lang="en-US" dirty="0"/>
-              <a:t> (SVD w/ Random Search) on original synthetic dataset</a:t>
+              <a:t> (SVD w/ Random Search) on synthetic dataset (100k records)</a:t>
             </a:r>
           </a:p>
           <a:p>
@@ -8632,251 +9777,54 @@
               <a:t>Training RMSE steadily decreases as we reach 20 epochs, indicating that the model continues to improve. However, since the validation RMSE is relatively constant/slightly increasing this shows the model is overfitting, it is learning the training set. </a:t>
             </a:r>
           </a:p>
+          <a:p>
+            <a:pPr lvl="1"/>
+            <a:r>
+              <a:rPr lang="en-US" dirty="0"/>
+              <a:t>Best parameters: {'</a:t>
+            </a:r>
+            <a:r>
+              <a:rPr lang="en-US" dirty="0" err="1"/>
+              <a:t>n_factors</a:t>
+            </a:r>
+            <a:r>
+              <a:rPr lang="en-US" dirty="0"/>
+              <a:t>': 20, '</a:t>
+            </a:r>
+            <a:r>
+              <a:rPr lang="en-US" dirty="0" err="1"/>
+              <a:t>n_epochs</a:t>
+            </a:r>
+            <a:r>
+              <a:rPr lang="en-US" dirty="0"/>
+              <a:t>': 10, '</a:t>
+            </a:r>
+            <a:r>
+              <a:rPr lang="en-US" dirty="0" err="1"/>
+              <a:t>lr_all</a:t>
+            </a:r>
+            <a:r>
+              <a:rPr lang="en-US" dirty="0"/>
+              <a:t>': 0.002, '</a:t>
+            </a:r>
+            <a:r>
+              <a:rPr lang="en-US" dirty="0" err="1"/>
+              <a:t>reg_all</a:t>
+            </a:r>
+            <a:r>
+              <a:rPr lang="en-US" dirty="0"/>
+              <a:t>': 0.02} </a:t>
+            </a:r>
+          </a:p>
+          <a:p>
+            <a:pPr lvl="1"/>
+            <a:r>
+              <a:rPr lang="en-US" dirty="0"/>
+              <a:t>Validation RMSE: 0.9853372223313915</a:t>
+            </a:r>
+          </a:p>
         </p:txBody>
       </p:sp>
-      <p:pic>
-        <p:nvPicPr>
-          <p:cNvPr id="5" name="Picture 4">
-            <a:extLst>
-              <a:ext uri="{FF2B5EF4-FFF2-40B4-BE49-F238E27FC236}">
-                <a16:creationId xmlns:a16="http://schemas.microsoft.com/office/drawing/2014/main" id="{547EFD4F-0E42-3304-5708-3CFBDB8C59D4}"/>
-              </a:ext>
-            </a:extLst>
-          </p:cNvPr>
-          <p:cNvPicPr>
-            <a:picLocks noChangeAspect="1"/>
-          </p:cNvPicPr>
-          <p:nvPr/>
-        </p:nvPicPr>
-        <p:blipFill>
-          <a:blip r:embed="rId2"/>
-          <a:stretch>
-            <a:fillRect/>
-          </a:stretch>
-        </p:blipFill>
-        <p:spPr>
-          <a:xfrm>
-            <a:off x="0" y="3642294"/>
-            <a:ext cx="3764171" cy="2399277"/>
-          </a:xfrm>
-          <a:prstGeom prst="rect">
-            <a:avLst/>
-          </a:prstGeom>
-        </p:spPr>
-      </p:pic>
-      <p:sp>
-        <p:nvSpPr>
-          <p:cNvPr id="6" name="TextBox 5">
-            <a:extLst>
-              <a:ext uri="{FF2B5EF4-FFF2-40B4-BE49-F238E27FC236}">
-                <a16:creationId xmlns:a16="http://schemas.microsoft.com/office/drawing/2014/main" id="{3C337FBB-E61A-C1DE-43EC-AAE9A75F0B5C}"/>
-              </a:ext>
-            </a:extLst>
-          </p:cNvPr>
-          <p:cNvSpPr txBox="1"/>
-          <p:nvPr/>
-        </p:nvSpPr>
-        <p:spPr>
-          <a:xfrm>
-            <a:off x="224854" y="3311041"/>
-            <a:ext cx="3402766" cy="307777"/>
-          </a:xfrm>
-          <a:prstGeom prst="rect">
-            <a:avLst/>
-          </a:prstGeom>
-          <a:noFill/>
-        </p:spPr>
-        <p:txBody>
-          <a:bodyPr wrap="square" rtlCol="0">
-            <a:spAutoFit/>
-          </a:bodyPr>
-          <a:lstStyle/>
-          <a:p>
-            <a:r>
-              <a:rPr lang="en-US" dirty="0"/>
-              <a:t>(Best SVD </a:t>
-            </a:r>
-            <a:r>
-              <a:rPr lang="en-US" dirty="0" err="1"/>
-              <a:t>lr_all</a:t>
-            </a:r>
-            <a:r>
-              <a:rPr lang="en-US" dirty="0"/>
-              <a:t>=0.005, </a:t>
-            </a:r>
-            <a:r>
-              <a:rPr lang="en-US" dirty="0" err="1"/>
-              <a:t>reg_all</a:t>
-            </a:r>
-            <a:r>
-              <a:rPr lang="en-US" dirty="0"/>
-              <a:t>=0.02)</a:t>
-            </a:r>
-          </a:p>
-        </p:txBody>
-      </p:sp>
-      <p:sp>
-        <p:nvSpPr>
-          <p:cNvPr id="7" name="TextBox 6">
-            <a:extLst>
-              <a:ext uri="{FF2B5EF4-FFF2-40B4-BE49-F238E27FC236}">
-                <a16:creationId xmlns:a16="http://schemas.microsoft.com/office/drawing/2014/main" id="{26D548C2-1C45-6135-39A8-7EAA8CE7EE0F}"/>
-              </a:ext>
-            </a:extLst>
-          </p:cNvPr>
-          <p:cNvSpPr txBox="1"/>
-          <p:nvPr/>
-        </p:nvSpPr>
-        <p:spPr>
-          <a:xfrm>
-            <a:off x="3974893" y="3311040"/>
-            <a:ext cx="3402766" cy="307777"/>
-          </a:xfrm>
-          <a:prstGeom prst="rect">
-            <a:avLst/>
-          </a:prstGeom>
-          <a:noFill/>
-        </p:spPr>
-        <p:txBody>
-          <a:bodyPr wrap="square" rtlCol="0">
-            <a:spAutoFit/>
-          </a:bodyPr>
-          <a:lstStyle/>
-          <a:p>
-            <a:r>
-              <a:rPr lang="en-US" dirty="0"/>
-              <a:t>(Best SVD </a:t>
-            </a:r>
-            <a:r>
-              <a:rPr lang="en-US" dirty="0" err="1"/>
-              <a:t>lr_all</a:t>
-            </a:r>
-            <a:r>
-              <a:rPr lang="en-US" dirty="0"/>
-              <a:t>=0.002, </a:t>
-            </a:r>
-            <a:r>
-              <a:rPr lang="en-US" dirty="0" err="1"/>
-              <a:t>reg_all</a:t>
-            </a:r>
-            <a:r>
-              <a:rPr lang="en-US" dirty="0"/>
-              <a:t>=0.05)</a:t>
-            </a:r>
-          </a:p>
-        </p:txBody>
-      </p:sp>
-      <p:sp>
-        <p:nvSpPr>
-          <p:cNvPr id="8" name="TextBox 7">
-            <a:extLst>
-              <a:ext uri="{FF2B5EF4-FFF2-40B4-BE49-F238E27FC236}">
-                <a16:creationId xmlns:a16="http://schemas.microsoft.com/office/drawing/2014/main" id="{31B0EA12-C6CE-F264-7AAA-E7E155577468}"/>
-              </a:ext>
-            </a:extLst>
-          </p:cNvPr>
-          <p:cNvSpPr txBox="1"/>
-          <p:nvPr/>
-        </p:nvSpPr>
-        <p:spPr>
-          <a:xfrm>
-            <a:off x="8217110" y="3340416"/>
-            <a:ext cx="3402766" cy="307777"/>
-          </a:xfrm>
-          <a:prstGeom prst="rect">
-            <a:avLst/>
-          </a:prstGeom>
-          <a:noFill/>
-        </p:spPr>
-        <p:txBody>
-          <a:bodyPr wrap="square" rtlCol="0">
-            <a:spAutoFit/>
-          </a:bodyPr>
-          <a:lstStyle/>
-          <a:p>
-            <a:r>
-              <a:rPr lang="en-US" dirty="0"/>
-              <a:t>(Best SVD </a:t>
-            </a:r>
-            <a:r>
-              <a:rPr lang="en-US" dirty="0" err="1"/>
-              <a:t>lr_all</a:t>
-            </a:r>
-            <a:r>
-              <a:rPr lang="en-US" dirty="0"/>
-              <a:t>=0.002, </a:t>
-            </a:r>
-            <a:r>
-              <a:rPr lang="en-US" dirty="0" err="1"/>
-              <a:t>reg_all</a:t>
-            </a:r>
-            <a:r>
-              <a:rPr lang="en-US" dirty="0"/>
-              <a:t>=0.1)</a:t>
-            </a:r>
-          </a:p>
-        </p:txBody>
-      </p:sp>
-      <p:pic>
-        <p:nvPicPr>
-          <p:cNvPr id="9" name="Picture 8">
-            <a:extLst>
-              <a:ext uri="{FF2B5EF4-FFF2-40B4-BE49-F238E27FC236}">
-                <a16:creationId xmlns:a16="http://schemas.microsoft.com/office/drawing/2014/main" id="{A40E7632-5703-257D-C639-83FE5E27AC42}"/>
-              </a:ext>
-            </a:extLst>
-          </p:cNvPr>
-          <p:cNvPicPr>
-            <a:picLocks noChangeAspect="1"/>
-          </p:cNvPicPr>
-          <p:nvPr/>
-        </p:nvPicPr>
-        <p:blipFill>
-          <a:blip r:embed="rId3"/>
-          <a:stretch>
-            <a:fillRect/>
-          </a:stretch>
-        </p:blipFill>
-        <p:spPr>
-          <a:xfrm>
-            <a:off x="3974891" y="3642294"/>
-            <a:ext cx="3655100" cy="2329755"/>
-          </a:xfrm>
-          <a:prstGeom prst="rect">
-            <a:avLst/>
-          </a:prstGeom>
-        </p:spPr>
-      </p:pic>
-      <p:pic>
-        <p:nvPicPr>
-          <p:cNvPr id="10" name="Picture 9">
-            <a:extLst>
-              <a:ext uri="{FF2B5EF4-FFF2-40B4-BE49-F238E27FC236}">
-                <a16:creationId xmlns:a16="http://schemas.microsoft.com/office/drawing/2014/main" id="{EB603E17-D03D-AC82-8BFE-97D3788E1DAA}"/>
-              </a:ext>
-            </a:extLst>
-          </p:cNvPr>
-          <p:cNvPicPr>
-            <a:picLocks noChangeAspect="1"/>
-          </p:cNvPicPr>
-          <p:nvPr/>
-        </p:nvPicPr>
-        <p:blipFill>
-          <a:blip r:embed="rId4"/>
-          <a:stretch>
-            <a:fillRect/>
-          </a:stretch>
-        </p:blipFill>
-        <p:spPr>
-          <a:xfrm>
-            <a:off x="8099894" y="3732741"/>
-            <a:ext cx="3519982" cy="2218381"/>
-          </a:xfrm>
-          <a:prstGeom prst="rect">
-            <a:avLst/>
-          </a:prstGeom>
-        </p:spPr>
-      </p:pic>
       <p:sp>
         <p:nvSpPr>
           <p:cNvPr id="11" name="Slide Number Placeholder 10">
@@ -8915,6 +9863,96 @@
           </a:p>
         </p:txBody>
       </p:sp>
+      <p:pic>
+        <p:nvPicPr>
+          <p:cNvPr id="4" name="Picture 3">
+            <a:extLst>
+              <a:ext uri="{FF2B5EF4-FFF2-40B4-BE49-F238E27FC236}">
+                <a16:creationId xmlns:a16="http://schemas.microsoft.com/office/drawing/2014/main" id="{32D69F11-BC30-6942-2087-325822E0DEC7}"/>
+              </a:ext>
+            </a:extLst>
+          </p:cNvPr>
+          <p:cNvPicPr>
+            <a:picLocks noChangeAspect="1"/>
+          </p:cNvPicPr>
+          <p:nvPr/>
+        </p:nvPicPr>
+        <p:blipFill>
+          <a:blip r:embed="rId2"/>
+          <a:stretch>
+            <a:fillRect/>
+          </a:stretch>
+        </p:blipFill>
+        <p:spPr>
+          <a:xfrm>
+            <a:off x="8036292" y="3771651"/>
+            <a:ext cx="3600651" cy="2160391"/>
+          </a:xfrm>
+          <a:prstGeom prst="rect">
+            <a:avLst/>
+          </a:prstGeom>
+        </p:spPr>
+      </p:pic>
+      <p:pic>
+        <p:nvPicPr>
+          <p:cNvPr id="12" name="Picture 11">
+            <a:extLst>
+              <a:ext uri="{FF2B5EF4-FFF2-40B4-BE49-F238E27FC236}">
+                <a16:creationId xmlns:a16="http://schemas.microsoft.com/office/drawing/2014/main" id="{32D9F664-6E30-A1D0-225F-A5DC6813A035}"/>
+              </a:ext>
+            </a:extLst>
+          </p:cNvPr>
+          <p:cNvPicPr>
+            <a:picLocks noChangeAspect="1"/>
+          </p:cNvPicPr>
+          <p:nvPr/>
+        </p:nvPicPr>
+        <p:blipFill>
+          <a:blip r:embed="rId3"/>
+          <a:stretch>
+            <a:fillRect/>
+          </a:stretch>
+        </p:blipFill>
+        <p:spPr>
+          <a:xfrm>
+            <a:off x="4009164" y="3794517"/>
+            <a:ext cx="3524428" cy="2114657"/>
+          </a:xfrm>
+          <a:prstGeom prst="rect">
+            <a:avLst/>
+          </a:prstGeom>
+        </p:spPr>
+      </p:pic>
+      <p:pic>
+        <p:nvPicPr>
+          <p:cNvPr id="13" name="Picture 12">
+            <a:extLst>
+              <a:ext uri="{FF2B5EF4-FFF2-40B4-BE49-F238E27FC236}">
+                <a16:creationId xmlns:a16="http://schemas.microsoft.com/office/drawing/2014/main" id="{2CCC2CEE-6E48-1F02-EFF4-E721D7B973E9}"/>
+              </a:ext>
+            </a:extLst>
+          </p:cNvPr>
+          <p:cNvPicPr>
+            <a:picLocks noChangeAspect="1"/>
+          </p:cNvPicPr>
+          <p:nvPr/>
+        </p:nvPicPr>
+        <p:blipFill>
+          <a:blip r:embed="rId4"/>
+          <a:stretch>
+            <a:fillRect/>
+          </a:stretch>
+        </p:blipFill>
+        <p:spPr>
+          <a:xfrm>
+            <a:off x="233386" y="3771651"/>
+            <a:ext cx="3524428" cy="2114657"/>
+          </a:xfrm>
+          <a:prstGeom prst="rect">
+            <a:avLst/>
+          </a:prstGeom>
+        </p:spPr>
+      </p:pic>
     </p:spTree>
     <p:extLst>
       <p:ext uri="{BB962C8B-B14F-4D97-AF65-F5344CB8AC3E}">

--- a/Cocktail_Recommendation_System.pptx
+++ b/Cocktail_Recommendation_System.pptx
@@ -7,7 +7,7 @@
     <p:sldMasterId id="2147483668" r:id="rId3"/>
   </p:sldMasterIdLst>
   <p:notesMasterIdLst>
-    <p:notesMasterId r:id="rId21"/>
+    <p:notesMasterId r:id="rId24"/>
   </p:notesMasterIdLst>
   <p:sldIdLst>
     <p:sldId id="278" r:id="rId4"/>
@@ -18,15 +18,18 @@
     <p:sldId id="279" r:id="rId9"/>
     <p:sldId id="260" r:id="rId10"/>
     <p:sldId id="261" r:id="rId11"/>
-    <p:sldId id="280" r:id="rId12"/>
-    <p:sldId id="283" r:id="rId13"/>
-    <p:sldId id="284" r:id="rId14"/>
-    <p:sldId id="262" r:id="rId15"/>
-    <p:sldId id="263" r:id="rId16"/>
-    <p:sldId id="281" r:id="rId17"/>
-    <p:sldId id="264" r:id="rId18"/>
-    <p:sldId id="276" r:id="rId19"/>
-    <p:sldId id="277" r:id="rId20"/>
+    <p:sldId id="287" r:id="rId12"/>
+    <p:sldId id="285" r:id="rId13"/>
+    <p:sldId id="286" r:id="rId14"/>
+    <p:sldId id="280" r:id="rId15"/>
+    <p:sldId id="283" r:id="rId16"/>
+    <p:sldId id="284" r:id="rId17"/>
+    <p:sldId id="262" r:id="rId18"/>
+    <p:sldId id="263" r:id="rId19"/>
+    <p:sldId id="281" r:id="rId20"/>
+    <p:sldId id="264" r:id="rId21"/>
+    <p:sldId id="276" r:id="rId22"/>
+    <p:sldId id="277" r:id="rId23"/>
   </p:sldIdLst>
   <p:sldSz cx="12192000" cy="6858000"/>
   <p:notesSz cx="6858000" cy="9144000"/>
@@ -6366,7 +6369,337 @@
           <a:bodyPr/>
           <a:lstStyle/>
           <a:p>
-            <a:r>
+            <a:pPr algn="l"/>
+            <a:r>
+              <a:rPr lang="en-US" b="1" i="0" dirty="0">
+                <a:solidFill>
+                  <a:srgbClr val="0D0D0D"/>
+                </a:solidFill>
+                <a:effectLst/>
+                <a:highlight>
+                  <a:srgbClr val="FFFFFF"/>
+                </a:highlight>
+                <a:latin typeface="Söhne"/>
+              </a:rPr>
+              <a:t>Collaborative Filtering (Item-Based)</a:t>
+            </a:r>
+          </a:p>
+        </p:txBody>
+      </p:sp>
+      <p:sp>
+        <p:nvSpPr>
+          <p:cNvPr id="3" name="Content Placeholder 2"/>
+          <p:cNvSpPr>
+            <a:spLocks noGrp="1"/>
+          </p:cNvSpPr>
+          <p:nvPr>
+            <p:ph idx="1"/>
+          </p:nvPr>
+        </p:nvSpPr>
+        <p:spPr>
+          <a:xfrm>
+            <a:off x="5765533" y="1543657"/>
+            <a:ext cx="5978893" cy="4157428"/>
+          </a:xfrm>
+        </p:spPr>
+        <p:txBody>
+          <a:bodyPr>
+            <a:normAutofit/>
+          </a:bodyPr>
+          <a:lstStyle/>
+          <a:p>
+            <a:r>
+              <a:rPr lang="en-US" dirty="0"/>
+              <a:t>X</a:t>
+            </a:r>
+            <a:endParaRPr dirty="0"/>
+          </a:p>
+        </p:txBody>
+      </p:sp>
+      <p:sp>
+        <p:nvSpPr>
+          <p:cNvPr id="7" name="Slide Number Placeholder 6">
+            <a:extLst>
+              <a:ext uri="{FF2B5EF4-FFF2-40B4-BE49-F238E27FC236}">
+                <a16:creationId xmlns:a16="http://schemas.microsoft.com/office/drawing/2014/main" id="{DD75E283-9C54-BFF4-1AC1-4FA6CBE01A77}"/>
+              </a:ext>
+            </a:extLst>
+          </p:cNvPr>
+          <p:cNvSpPr>
+            <a:spLocks noGrp="1"/>
+          </p:cNvSpPr>
+          <p:nvPr>
+            <p:ph type="sldNum" idx="12"/>
+          </p:nvPr>
+        </p:nvSpPr>
+        <p:spPr/>
+        <p:txBody>
+          <a:bodyPr/>
+          <a:lstStyle/>
+          <a:p>
+            <a:pPr marL="0" lvl="0" indent="0" algn="r" rtl="0">
+              <a:spcBef>
+                <a:spcPts val="0"/>
+              </a:spcBef>
+              <a:spcAft>
+                <a:spcPts val="0"/>
+              </a:spcAft>
+              <a:buNone/>
+            </a:pPr>
+            <a:fld id="{00000000-1234-1234-1234-123412341234}" type="slidenum">
+              <a:rPr lang="en-US" smtClean="0"/>
+              <a:t>10</a:t>
+            </a:fld>
+            <a:endParaRPr lang="en-US"/>
+          </a:p>
+        </p:txBody>
+      </p:sp>
+      <p:pic>
+        <p:nvPicPr>
+          <p:cNvPr id="4" name="Picture 3">
+            <a:extLst>
+              <a:ext uri="{FF2B5EF4-FFF2-40B4-BE49-F238E27FC236}">
+                <a16:creationId xmlns:a16="http://schemas.microsoft.com/office/drawing/2014/main" id="{F34B6238-1A91-A898-E42E-526E08D35636}"/>
+              </a:ext>
+            </a:extLst>
+          </p:cNvPr>
+          <p:cNvPicPr>
+            <a:picLocks noChangeAspect="1"/>
+          </p:cNvPicPr>
+          <p:nvPr/>
+        </p:nvPicPr>
+        <p:blipFill>
+          <a:blip r:embed="rId2"/>
+          <a:stretch>
+            <a:fillRect/>
+          </a:stretch>
+        </p:blipFill>
+        <p:spPr>
+          <a:xfrm>
+            <a:off x="1214387" y="1745856"/>
+            <a:ext cx="3087647" cy="3366288"/>
+          </a:xfrm>
+          <a:prstGeom prst="rect">
+            <a:avLst/>
+          </a:prstGeom>
+        </p:spPr>
+      </p:pic>
+    </p:spTree>
+    <p:extLst>
+      <p:ext uri="{BB962C8B-B14F-4D97-AF65-F5344CB8AC3E}">
+        <p14:creationId xmlns:p14="http://schemas.microsoft.com/office/powerpoint/2010/main" val="1934332099"/>
+      </p:ext>
+    </p:extLst>
+  </p:cSld>
+  <p:clrMapOvr>
+    <a:masterClrMapping/>
+  </p:clrMapOvr>
+</p:sld>
+</file>
+
+<file path=ppt/slides/slide11.xml><?xml version="1.0" encoding="utf-8"?>
+<p:sld xmlns:a="http://schemas.openxmlformats.org/drawingml/2006/main" xmlns:r="http://schemas.openxmlformats.org/officeDocument/2006/relationships" xmlns:p="http://schemas.openxmlformats.org/presentationml/2006/main">
+  <p:cSld>
+    <p:spTree>
+      <p:nvGrpSpPr>
+        <p:cNvPr id="1" name=""/>
+        <p:cNvGrpSpPr/>
+        <p:nvPr/>
+      </p:nvGrpSpPr>
+      <p:grpSpPr>
+        <a:xfrm>
+          <a:off x="0" y="0"/>
+          <a:ext cx="0" cy="0"/>
+          <a:chOff x="0" y="0"/>
+          <a:chExt cx="0" cy="0"/>
+        </a:xfrm>
+      </p:grpSpPr>
+      <p:sp>
+        <p:nvSpPr>
+          <p:cNvPr id="2" name="Title 1"/>
+          <p:cNvSpPr>
+            <a:spLocks noGrp="1"/>
+          </p:cNvSpPr>
+          <p:nvPr>
+            <p:ph type="title"/>
+          </p:nvPr>
+        </p:nvSpPr>
+        <p:spPr/>
+        <p:txBody>
+          <a:bodyPr/>
+          <a:lstStyle/>
+          <a:p>
+            <a:pPr algn="l"/>
+            <a:r>
+              <a:rPr lang="en-US" b="1" i="0" dirty="0">
+                <a:solidFill>
+                  <a:srgbClr val="0D0D0D"/>
+                </a:solidFill>
+                <a:effectLst/>
+                <a:highlight>
+                  <a:srgbClr val="FFFFFF"/>
+                </a:highlight>
+                <a:latin typeface="Söhne"/>
+              </a:rPr>
+              <a:t>Content-Based Filtering</a:t>
+            </a:r>
+          </a:p>
+        </p:txBody>
+      </p:sp>
+      <p:sp>
+        <p:nvSpPr>
+          <p:cNvPr id="3" name="Content Placeholder 2"/>
+          <p:cNvSpPr>
+            <a:spLocks noGrp="1"/>
+          </p:cNvSpPr>
+          <p:nvPr>
+            <p:ph idx="1"/>
+          </p:nvPr>
+        </p:nvSpPr>
+        <p:spPr>
+          <a:xfrm>
+            <a:off x="5765533" y="1543657"/>
+            <a:ext cx="5978893" cy="4157428"/>
+          </a:xfrm>
+        </p:spPr>
+        <p:txBody>
+          <a:bodyPr>
+            <a:normAutofit/>
+          </a:bodyPr>
+          <a:lstStyle/>
+          <a:p>
+            <a:r>
+              <a:rPr lang="en-US" b="0" i="0" dirty="0">
+                <a:solidFill>
+                  <a:srgbClr val="242424"/>
+                </a:solidFill>
+                <a:effectLst/>
+                <a:highlight>
+                  <a:srgbClr val="FFFFFF"/>
+                </a:highlight>
+                <a:latin typeface="source-serif-pro"/>
+              </a:rPr>
+              <a:t>Content-Based recommender system tries to guess the features or behavior of a user given the item’s features, he/she reacts positively to.</a:t>
+            </a:r>
+            <a:endParaRPr dirty="0"/>
+          </a:p>
+        </p:txBody>
+      </p:sp>
+      <p:sp>
+        <p:nvSpPr>
+          <p:cNvPr id="7" name="Slide Number Placeholder 6">
+            <a:extLst>
+              <a:ext uri="{FF2B5EF4-FFF2-40B4-BE49-F238E27FC236}">
+                <a16:creationId xmlns:a16="http://schemas.microsoft.com/office/drawing/2014/main" id="{DD75E283-9C54-BFF4-1AC1-4FA6CBE01A77}"/>
+              </a:ext>
+            </a:extLst>
+          </p:cNvPr>
+          <p:cNvSpPr>
+            <a:spLocks noGrp="1"/>
+          </p:cNvSpPr>
+          <p:nvPr>
+            <p:ph type="sldNum" idx="12"/>
+          </p:nvPr>
+        </p:nvSpPr>
+        <p:spPr/>
+        <p:txBody>
+          <a:bodyPr/>
+          <a:lstStyle/>
+          <a:p>
+            <a:pPr marL="0" lvl="0" indent="0" algn="r" rtl="0">
+              <a:spcBef>
+                <a:spcPts val="0"/>
+              </a:spcBef>
+              <a:spcAft>
+                <a:spcPts val="0"/>
+              </a:spcAft>
+              <a:buNone/>
+            </a:pPr>
+            <a:fld id="{00000000-1234-1234-1234-123412341234}" type="slidenum">
+              <a:rPr lang="en-US" smtClean="0"/>
+              <a:t>11</a:t>
+            </a:fld>
+            <a:endParaRPr lang="en-US"/>
+          </a:p>
+        </p:txBody>
+      </p:sp>
+      <p:pic>
+        <p:nvPicPr>
+          <p:cNvPr id="4" name="Picture 3">
+            <a:extLst>
+              <a:ext uri="{FF2B5EF4-FFF2-40B4-BE49-F238E27FC236}">
+                <a16:creationId xmlns:a16="http://schemas.microsoft.com/office/drawing/2014/main" id="{5D7B6523-C11C-25CF-B55C-DF27092667DE}"/>
+              </a:ext>
+            </a:extLst>
+          </p:cNvPr>
+          <p:cNvPicPr>
+            <a:picLocks noChangeAspect="1"/>
+          </p:cNvPicPr>
+          <p:nvPr/>
+        </p:nvPicPr>
+        <p:blipFill>
+          <a:blip r:embed="rId2"/>
+          <a:stretch>
+            <a:fillRect/>
+          </a:stretch>
+        </p:blipFill>
+        <p:spPr>
+          <a:xfrm>
+            <a:off x="328749" y="1971160"/>
+            <a:ext cx="7772400" cy="2358331"/>
+          </a:xfrm>
+          <a:prstGeom prst="rect">
+            <a:avLst/>
+          </a:prstGeom>
+        </p:spPr>
+      </p:pic>
+    </p:spTree>
+    <p:extLst>
+      <p:ext uri="{BB962C8B-B14F-4D97-AF65-F5344CB8AC3E}">
+        <p14:creationId xmlns:p14="http://schemas.microsoft.com/office/powerpoint/2010/main" val="2903554781"/>
+      </p:ext>
+    </p:extLst>
+  </p:cSld>
+  <p:clrMapOvr>
+    <a:masterClrMapping/>
+  </p:clrMapOvr>
+</p:sld>
+</file>
+
+<file path=ppt/slides/slide12.xml><?xml version="1.0" encoding="utf-8"?>
+<p:sld xmlns:a="http://schemas.openxmlformats.org/drawingml/2006/main" xmlns:r="http://schemas.openxmlformats.org/officeDocument/2006/relationships" xmlns:p="http://schemas.openxmlformats.org/presentationml/2006/main">
+  <p:cSld>
+    <p:spTree>
+      <p:nvGrpSpPr>
+        <p:cNvPr id="1" name=""/>
+        <p:cNvGrpSpPr/>
+        <p:nvPr/>
+      </p:nvGrpSpPr>
+      <p:grpSpPr>
+        <a:xfrm>
+          <a:off x="0" y="0"/>
+          <a:ext cx="0" cy="0"/>
+          <a:chOff x="0" y="0"/>
+          <a:chExt cx="0" cy="0"/>
+        </a:xfrm>
+      </p:grpSpPr>
+      <p:sp>
+        <p:nvSpPr>
+          <p:cNvPr id="2" name="Title 1"/>
+          <p:cNvSpPr>
+            <a:spLocks noGrp="1"/>
+          </p:cNvSpPr>
+          <p:nvPr>
+            <p:ph type="title"/>
+          </p:nvPr>
+        </p:nvSpPr>
+        <p:spPr/>
+        <p:txBody>
+          <a:bodyPr/>
+          <a:lstStyle/>
+          <a:p>
+            <a:r>
+              <a:rPr dirty="0"/>
               <a:t>Proposed Approaches (Model)</a:t>
             </a:r>
           </a:p>
@@ -6400,7 +6733,7 @@
             </a:r>
             <a:r>
               <a:rPr lang="en-US" dirty="0"/>
-              <a:t> (SVD w/ Random Search) on original survey data (100 records)</a:t>
+              <a:t> (SVD w/ Random Search) on synthetic dataset (100k records)</a:t>
             </a:r>
           </a:p>
           <a:p>
@@ -6422,7 +6755,7 @@
             </a:r>
             <a:r>
               <a:rPr lang="en-US" dirty="0"/>
-              <a:t>': 100, '</a:t>
+              <a:t>': 20, '</a:t>
             </a:r>
             <a:r>
               <a:rPr lang="en-US" dirty="0" err="1"/>
@@ -6430,7 +6763,7 @@
             </a:r>
             <a:r>
               <a:rPr lang="en-US" dirty="0"/>
-              <a:t>': 20, '</a:t>
+              <a:t>': 10, '</a:t>
             </a:r>
             <a:r>
               <a:rPr lang="en-US" dirty="0" err="1"/>
@@ -6438,7 +6771,7 @@
             </a:r>
             <a:r>
               <a:rPr lang="en-US" dirty="0"/>
-              <a:t>': 0.005, '</a:t>
+              <a:t>': 0.002, '</a:t>
             </a:r>
             <a:r>
               <a:rPr lang="en-US" dirty="0" err="1"/>
@@ -6446,14 +6779,14 @@
             </a:r>
             <a:r>
               <a:rPr lang="en-US" dirty="0"/>
-              <a:t>': 0.1} </a:t>
+              <a:t>': 0.02} </a:t>
             </a:r>
           </a:p>
           <a:p>
             <a:pPr lvl="1"/>
             <a:r>
               <a:rPr lang="en-US" dirty="0"/>
-              <a:t>Validation RMSE: 1.276437999626136</a:t>
+              <a:t>Validation RMSE: 0.9853372223313915</a:t>
             </a:r>
           </a:p>
         </p:txBody>
@@ -6490,7 +6823,272 @@
             </a:pPr>
             <a:fld id="{00000000-1234-1234-1234-123412341234}" type="slidenum">
               <a:rPr lang="en-US" smtClean="0"/>
-              <a:t>10</a:t>
+              <a:t>12</a:t>
+            </a:fld>
+            <a:endParaRPr lang="en-US"/>
+          </a:p>
+        </p:txBody>
+      </p:sp>
+      <p:pic>
+        <p:nvPicPr>
+          <p:cNvPr id="4" name="Picture 3">
+            <a:extLst>
+              <a:ext uri="{FF2B5EF4-FFF2-40B4-BE49-F238E27FC236}">
+                <a16:creationId xmlns:a16="http://schemas.microsoft.com/office/drawing/2014/main" id="{32D69F11-BC30-6942-2087-325822E0DEC7}"/>
+              </a:ext>
+            </a:extLst>
+          </p:cNvPr>
+          <p:cNvPicPr>
+            <a:picLocks noChangeAspect="1"/>
+          </p:cNvPicPr>
+          <p:nvPr/>
+        </p:nvPicPr>
+        <p:blipFill>
+          <a:blip r:embed="rId2"/>
+          <a:stretch>
+            <a:fillRect/>
+          </a:stretch>
+        </p:blipFill>
+        <p:spPr>
+          <a:xfrm>
+            <a:off x="8036292" y="3657601"/>
+            <a:ext cx="3790734" cy="2274441"/>
+          </a:xfrm>
+          <a:prstGeom prst="rect">
+            <a:avLst/>
+          </a:prstGeom>
+        </p:spPr>
+      </p:pic>
+      <p:pic>
+        <p:nvPicPr>
+          <p:cNvPr id="12" name="Picture 11">
+            <a:extLst>
+              <a:ext uri="{FF2B5EF4-FFF2-40B4-BE49-F238E27FC236}">
+                <a16:creationId xmlns:a16="http://schemas.microsoft.com/office/drawing/2014/main" id="{32D9F664-6E30-A1D0-225F-A5DC6813A035}"/>
+              </a:ext>
+            </a:extLst>
+          </p:cNvPr>
+          <p:cNvPicPr>
+            <a:picLocks noChangeAspect="1"/>
+          </p:cNvPicPr>
+          <p:nvPr/>
+        </p:nvPicPr>
+        <p:blipFill>
+          <a:blip r:embed="rId3"/>
+          <a:stretch>
+            <a:fillRect/>
+          </a:stretch>
+        </p:blipFill>
+        <p:spPr>
+          <a:xfrm>
+            <a:off x="4009163" y="3657601"/>
+            <a:ext cx="3752623" cy="2251574"/>
+          </a:xfrm>
+          <a:prstGeom prst="rect">
+            <a:avLst/>
+          </a:prstGeom>
+        </p:spPr>
+      </p:pic>
+      <p:pic>
+        <p:nvPicPr>
+          <p:cNvPr id="13" name="Picture 12">
+            <a:extLst>
+              <a:ext uri="{FF2B5EF4-FFF2-40B4-BE49-F238E27FC236}">
+                <a16:creationId xmlns:a16="http://schemas.microsoft.com/office/drawing/2014/main" id="{2CCC2CEE-6E48-1F02-EFF4-E721D7B973E9}"/>
+              </a:ext>
+            </a:extLst>
+          </p:cNvPr>
+          <p:cNvPicPr>
+            <a:picLocks noChangeAspect="1"/>
+          </p:cNvPicPr>
+          <p:nvPr/>
+        </p:nvPicPr>
+        <p:blipFill>
+          <a:blip r:embed="rId4"/>
+          <a:stretch>
+            <a:fillRect/>
+          </a:stretch>
+        </p:blipFill>
+        <p:spPr>
+          <a:xfrm>
+            <a:off x="233386" y="3560009"/>
+            <a:ext cx="3877166" cy="2326300"/>
+          </a:xfrm>
+          <a:prstGeom prst="rect">
+            <a:avLst/>
+          </a:prstGeom>
+        </p:spPr>
+      </p:pic>
+    </p:spTree>
+    <p:extLst>
+      <p:ext uri="{BB962C8B-B14F-4D97-AF65-F5344CB8AC3E}">
+        <p14:creationId xmlns:p14="http://schemas.microsoft.com/office/powerpoint/2010/main" val="371338522"/>
+      </p:ext>
+    </p:extLst>
+  </p:cSld>
+  <p:clrMapOvr>
+    <a:masterClrMapping/>
+  </p:clrMapOvr>
+</p:sld>
+</file>
+
+<file path=ppt/slides/slide13.xml><?xml version="1.0" encoding="utf-8"?>
+<p:sld xmlns:a="http://schemas.openxmlformats.org/drawingml/2006/main" xmlns:r="http://schemas.openxmlformats.org/officeDocument/2006/relationships" xmlns:p="http://schemas.openxmlformats.org/presentationml/2006/main">
+  <p:cSld>
+    <p:spTree>
+      <p:nvGrpSpPr>
+        <p:cNvPr id="1" name=""/>
+        <p:cNvGrpSpPr/>
+        <p:nvPr/>
+      </p:nvGrpSpPr>
+      <p:grpSpPr>
+        <a:xfrm>
+          <a:off x="0" y="0"/>
+          <a:ext cx="0" cy="0"/>
+          <a:chOff x="0" y="0"/>
+          <a:chExt cx="0" cy="0"/>
+        </a:xfrm>
+      </p:grpSpPr>
+      <p:sp>
+        <p:nvSpPr>
+          <p:cNvPr id="2" name="Title 1"/>
+          <p:cNvSpPr>
+            <a:spLocks noGrp="1"/>
+          </p:cNvSpPr>
+          <p:nvPr>
+            <p:ph type="title"/>
+          </p:nvPr>
+        </p:nvSpPr>
+        <p:spPr/>
+        <p:txBody>
+          <a:bodyPr/>
+          <a:lstStyle/>
+          <a:p>
+            <a:r>
+              <a:t>Proposed Approaches (Model)</a:t>
+            </a:r>
+          </a:p>
+        </p:txBody>
+      </p:sp>
+      <p:sp>
+        <p:nvSpPr>
+          <p:cNvPr id="3" name="Content Placeholder 2"/>
+          <p:cNvSpPr>
+            <a:spLocks noGrp="1"/>
+          </p:cNvSpPr>
+          <p:nvPr>
+            <p:ph idx="1"/>
+          </p:nvPr>
+        </p:nvSpPr>
+        <p:spPr>
+          <a:xfrm>
+            <a:off x="838200" y="1543657"/>
+            <a:ext cx="10515600" cy="1798257"/>
+          </a:xfrm>
+        </p:spPr>
+        <p:txBody>
+          <a:bodyPr>
+            <a:normAutofit fontScale="62500" lnSpcReduction="20000"/>
+          </a:bodyPr>
+          <a:lstStyle/>
+          <a:p>
+            <a:r>
+              <a:rPr dirty="0"/>
+              <a:t>Checks for overfitting and underfitting</a:t>
+            </a:r>
+            <a:r>
+              <a:rPr lang="en-US" dirty="0"/>
+              <a:t> (SVD w/ Random Search) on original survey data (100 records)</a:t>
+            </a:r>
+          </a:p>
+          <a:p>
+            <a:pPr lvl="1"/>
+            <a:r>
+              <a:rPr lang="en-US" dirty="0"/>
+              <a:t>Training RMSE steadily decreases as we reach 20 epochs, indicating that the model continues to improve. However, since the validation RMSE is relatively constant/slightly increasing this shows the model is overfitting, it is learning the training set. </a:t>
+            </a:r>
+          </a:p>
+          <a:p>
+            <a:pPr lvl="1"/>
+            <a:r>
+              <a:rPr lang="en-US" dirty="0"/>
+              <a:t>Best parameters: {'</a:t>
+            </a:r>
+            <a:r>
+              <a:rPr lang="en-US" dirty="0" err="1"/>
+              <a:t>n_factors</a:t>
+            </a:r>
+            <a:r>
+              <a:rPr lang="en-US" dirty="0"/>
+              <a:t>': 100, '</a:t>
+            </a:r>
+            <a:r>
+              <a:rPr lang="en-US" dirty="0" err="1"/>
+              <a:t>n_epochs</a:t>
+            </a:r>
+            <a:r>
+              <a:rPr lang="en-US" dirty="0"/>
+              <a:t>': 20, '</a:t>
+            </a:r>
+            <a:r>
+              <a:rPr lang="en-US" dirty="0" err="1"/>
+              <a:t>lr_all</a:t>
+            </a:r>
+            <a:r>
+              <a:rPr lang="en-US" dirty="0"/>
+              <a:t>': 0.005, '</a:t>
+            </a:r>
+            <a:r>
+              <a:rPr lang="en-US" dirty="0" err="1"/>
+              <a:t>reg_all</a:t>
+            </a:r>
+            <a:r>
+              <a:rPr lang="en-US" dirty="0"/>
+              <a:t>': 0.1} </a:t>
+            </a:r>
+          </a:p>
+          <a:p>
+            <a:pPr lvl="1"/>
+            <a:r>
+              <a:rPr lang="en-US" dirty="0"/>
+              <a:t>Validation RMSE: 1.276437999626136</a:t>
+            </a:r>
+          </a:p>
+        </p:txBody>
+      </p:sp>
+      <p:sp>
+        <p:nvSpPr>
+          <p:cNvPr id="11" name="Slide Number Placeholder 10">
+            <a:extLst>
+              <a:ext uri="{FF2B5EF4-FFF2-40B4-BE49-F238E27FC236}">
+                <a16:creationId xmlns:a16="http://schemas.microsoft.com/office/drawing/2014/main" id="{6A29F5B9-E5ED-6E68-88CA-E618CAD0CB8D}"/>
+              </a:ext>
+            </a:extLst>
+          </p:cNvPr>
+          <p:cNvSpPr>
+            <a:spLocks noGrp="1"/>
+          </p:cNvSpPr>
+          <p:nvPr>
+            <p:ph type="sldNum" idx="12"/>
+          </p:nvPr>
+        </p:nvSpPr>
+        <p:spPr/>
+        <p:txBody>
+          <a:bodyPr/>
+          <a:lstStyle/>
+          <a:p>
+            <a:pPr marL="0" lvl="0" indent="0" algn="r" rtl="0">
+              <a:spcBef>
+                <a:spcPts val="0"/>
+              </a:spcBef>
+              <a:spcAft>
+                <a:spcPts val="0"/>
+              </a:spcAft>
+              <a:buNone/>
+            </a:pPr>
+            <a:fld id="{00000000-1234-1234-1234-123412341234}" type="slidenum">
+              <a:rPr lang="en-US" smtClean="0"/>
+              <a:t>13</a:t>
             </a:fld>
             <a:endParaRPr lang="en-US"/>
           </a:p>
@@ -6617,7 +7215,7 @@
 </p:sld>
 </file>
 
-<file path=ppt/slides/slide11.xml><?xml version="1.0" encoding="utf-8"?>
+<file path=ppt/slides/slide14.xml><?xml version="1.0" encoding="utf-8"?>
 <p:sld xmlns:a="http://schemas.openxmlformats.org/drawingml/2006/main" xmlns:r="http://schemas.openxmlformats.org/officeDocument/2006/relationships" xmlns:p="http://schemas.openxmlformats.org/presentationml/2006/main">
   <p:cSld>
     <p:spTree>
@@ -6773,7 +7371,7 @@
             </a:pPr>
             <a:fld id="{00000000-1234-1234-1234-123412341234}" type="slidenum">
               <a:rPr lang="en-US" smtClean="0"/>
-              <a:t>11</a:t>
+              <a:t>14</a:t>
             </a:fld>
             <a:endParaRPr lang="en-US"/>
           </a:p>
@@ -6882,7 +7480,7 @@
 </p:sld>
 </file>
 
-<file path=ppt/slides/slide12.xml><?xml version="1.0" encoding="utf-8"?>
+<file path=ppt/slides/slide15.xml><?xml version="1.0" encoding="utf-8"?>
 <p:sld xmlns:a="http://schemas.openxmlformats.org/drawingml/2006/main" xmlns:r="http://schemas.openxmlformats.org/officeDocument/2006/relationships" xmlns:p="http://schemas.openxmlformats.org/presentationml/2006/main">
   <p:cSld>
     <p:spTree>
@@ -7158,7 +7756,7 @@
             </a:pPr>
             <a:fld id="{00000000-1234-1234-1234-123412341234}" type="slidenum">
               <a:rPr lang="en-US" smtClean="0"/>
-              <a:t>12</a:t>
+              <a:t>15</a:t>
             </a:fld>
             <a:endParaRPr lang="en-US"/>
           </a:p>
@@ -7185,7 +7783,7 @@
         </p:blipFill>
         <p:spPr>
           <a:xfrm>
-            <a:off x="8372159" y="3742943"/>
+            <a:off x="8372159" y="4900682"/>
             <a:ext cx="3323714" cy="1044835"/>
           </a:xfrm>
           <a:prstGeom prst="rect">
@@ -7201,7 +7799,7 @@
 </p:sld>
 </file>
 
-<file path=ppt/slides/slide13.xml><?xml version="1.0" encoding="utf-8"?>
+<file path=ppt/slides/slide16.xml><?xml version="1.0" encoding="utf-8"?>
 <p:sld xmlns:a="http://schemas.openxmlformats.org/drawingml/2006/main" xmlns:r="http://schemas.openxmlformats.org/officeDocument/2006/relationships" xmlns:p="http://schemas.openxmlformats.org/presentationml/2006/main">
   <p:cSld>
     <p:spTree>
@@ -7450,7 +8048,7 @@
             </a:pPr>
             <a:fld id="{00000000-1234-1234-1234-123412341234}" type="slidenum">
               <a:rPr lang="en-US" smtClean="0"/>
-              <a:t>13</a:t>
+              <a:t>16</a:t>
             </a:fld>
             <a:endParaRPr lang="en-US"/>
           </a:p>
@@ -7464,7 +8062,7 @@
 </p:sld>
 </file>
 
-<file path=ppt/slides/slide14.xml><?xml version="1.0" encoding="utf-8"?>
+<file path=ppt/slides/slide17.xml><?xml version="1.0" encoding="utf-8"?>
 <p:sld xmlns:a="http://schemas.openxmlformats.org/drawingml/2006/main" xmlns:r="http://schemas.openxmlformats.org/officeDocument/2006/relationships" xmlns:p="http://schemas.openxmlformats.org/presentationml/2006/main">
   <p:cSld>
     <p:spTree>
@@ -7534,7 +8132,7 @@
             </a:pPr>
             <a:fld id="{00000000-1234-1234-1234-123412341234}" type="slidenum">
               <a:rPr lang="en-US" smtClean="0"/>
-              <a:t>14</a:t>
+              <a:t>17</a:t>
             </a:fld>
             <a:endParaRPr lang="en-US"/>
           </a:p>
@@ -7752,7 +8350,7 @@
 </p:sld>
 </file>
 
-<file path=ppt/slides/slide15.xml><?xml version="1.0" encoding="utf-8"?>
+<file path=ppt/slides/slide18.xml><?xml version="1.0" encoding="utf-8"?>
 <p:sld xmlns:a="http://schemas.openxmlformats.org/drawingml/2006/main" xmlns:r="http://schemas.openxmlformats.org/officeDocument/2006/relationships" xmlns:p="http://schemas.openxmlformats.org/presentationml/2006/main">
   <p:cSld>
     <p:spTree>
@@ -7803,7 +8401,7 @@
         <p:spPr/>
         <p:txBody>
           <a:bodyPr>
-            <a:normAutofit fontScale="77500" lnSpcReduction="20000"/>
+            <a:normAutofit fontScale="70000" lnSpcReduction="20000"/>
           </a:bodyPr>
           <a:lstStyle/>
           <a:p>
@@ -7866,11 +8464,7 @@
             <a:pPr lvl="2"/>
             <a:r>
               <a:rPr lang="en-US" dirty="0"/>
-              <a:t>When new cocktails are added use similar cocktails by ingredients and categories to know which users would like </a:t>
-            </a:r>
-            <a:r>
-              <a:rPr lang="en-US"/>
-              <a:t>this cocktail</a:t>
+              <a:t>When new cocktails are added use similar cocktails by ingredients and categories to know which users would like this cocktail</a:t>
             </a:r>
             <a:endParaRPr dirty="0"/>
           </a:p>
@@ -7895,6 +8489,21 @@
               <a:rPr lang="en-US" dirty="0"/>
               <a:t> that can be used to generate user ratings</a:t>
             </a:r>
+          </a:p>
+          <a:p>
+            <a:pPr lvl="1"/>
+            <a:endParaRPr lang="en-US" dirty="0"/>
+          </a:p>
+          <a:p>
+            <a:pPr lvl="1"/>
+            <a:r>
+              <a:rPr lang="en-US" dirty="0"/>
+              <a:t>Shuffling survey</a:t>
+            </a:r>
+          </a:p>
+          <a:p>
+            <a:pPr lvl="1"/>
+            <a:endParaRPr lang="en-US" dirty="0"/>
           </a:p>
         </p:txBody>
       </p:sp>
@@ -7930,7 +8539,7 @@
             </a:pPr>
             <a:fld id="{00000000-1234-1234-1234-123412341234}" type="slidenum">
               <a:rPr lang="en-US" smtClean="0"/>
-              <a:t>15</a:t>
+              <a:t>18</a:t>
             </a:fld>
             <a:endParaRPr lang="en-US"/>
           </a:p>
@@ -7944,7 +8553,7 @@
 </p:sld>
 </file>
 
-<file path=ppt/slides/slide16.xml><?xml version="1.0" encoding="utf-8"?>
+<file path=ppt/slides/slide19.xml><?xml version="1.0" encoding="utf-8"?>
 <p:sld xmlns:a="http://schemas.openxmlformats.org/drawingml/2006/main" xmlns:r="http://schemas.openxmlformats.org/officeDocument/2006/relationships" xmlns:p="http://schemas.openxmlformats.org/presentationml/2006/main">
   <p:cSld>
     <p:spTree>
@@ -7993,7 +8602,7 @@
             </a:pPr>
             <a:fld id="{00000000-1234-1234-1234-123412341234}" type="slidenum">
               <a:rPr lang="en-US" smtClean="0"/>
-              <a:t>16</a:t>
+              <a:t>19</a:t>
             </a:fld>
             <a:endParaRPr lang="en-US"/>
           </a:p>
@@ -8003,61 +8612,6 @@
     <p:extLst>
       <p:ext uri="{BB962C8B-B14F-4D97-AF65-F5344CB8AC3E}">
         <p14:creationId xmlns:p14="http://schemas.microsoft.com/office/powerpoint/2010/main" val="1100527757"/>
-      </p:ext>
-    </p:extLst>
-  </p:cSld>
-  <p:clrMapOvr>
-    <a:masterClrMapping/>
-  </p:clrMapOvr>
-</p:sld>
-</file>
-
-<file path=ppt/slides/slide17.xml><?xml version="1.0" encoding="utf-8"?>
-<p:sld xmlns:a="http://schemas.openxmlformats.org/drawingml/2006/main" xmlns:r="http://schemas.openxmlformats.org/officeDocument/2006/relationships" xmlns:p="http://schemas.openxmlformats.org/presentationml/2006/main">
-  <p:cSld>
-    <p:spTree>
-      <p:nvGrpSpPr>
-        <p:cNvPr id="1" name=""/>
-        <p:cNvGrpSpPr/>
-        <p:nvPr/>
-      </p:nvGrpSpPr>
-      <p:grpSpPr>
-        <a:xfrm>
-          <a:off x="0" y="0"/>
-          <a:ext cx="0" cy="0"/>
-          <a:chOff x="0" y="0"/>
-          <a:chExt cx="0" cy="0"/>
-        </a:xfrm>
-      </p:grpSpPr>
-      <p:sp>
-        <p:nvSpPr>
-          <p:cNvPr id="2" name="Title 1">
-            <a:extLst>
-              <a:ext uri="{FF2B5EF4-FFF2-40B4-BE49-F238E27FC236}">
-                <a16:creationId xmlns:a16="http://schemas.microsoft.com/office/drawing/2014/main" id="{5FCA20D4-2C77-D9C2-C23B-6012567CD6CD}"/>
-              </a:ext>
-            </a:extLst>
-          </p:cNvPr>
-          <p:cNvSpPr>
-            <a:spLocks noGrp="1"/>
-          </p:cNvSpPr>
-          <p:nvPr>
-            <p:ph type="ctrTitle"/>
-          </p:nvPr>
-        </p:nvSpPr>
-        <p:spPr/>
-        <p:txBody>
-          <a:bodyPr/>
-          <a:lstStyle/>
-          <a:p>
-            <a:endParaRPr lang="en-US"/>
-          </a:p>
-        </p:txBody>
-      </p:sp>
-    </p:spTree>
-    <p:extLst>
-      <p:ext uri="{BB962C8B-B14F-4D97-AF65-F5344CB8AC3E}">
-        <p14:creationId xmlns:p14="http://schemas.microsoft.com/office/powerpoint/2010/main" val="1399348525"/>
       </p:ext>
     </p:extLst>
   </p:cSld>
@@ -8181,6 +8735,61 @@
         </p:txBody>
       </p:sp>
     </p:spTree>
+  </p:cSld>
+  <p:clrMapOvr>
+    <a:masterClrMapping/>
+  </p:clrMapOvr>
+</p:sld>
+</file>
+
+<file path=ppt/slides/slide20.xml><?xml version="1.0" encoding="utf-8"?>
+<p:sld xmlns:a="http://schemas.openxmlformats.org/drawingml/2006/main" xmlns:r="http://schemas.openxmlformats.org/officeDocument/2006/relationships" xmlns:p="http://schemas.openxmlformats.org/presentationml/2006/main">
+  <p:cSld>
+    <p:spTree>
+      <p:nvGrpSpPr>
+        <p:cNvPr id="1" name=""/>
+        <p:cNvGrpSpPr/>
+        <p:nvPr/>
+      </p:nvGrpSpPr>
+      <p:grpSpPr>
+        <a:xfrm>
+          <a:off x="0" y="0"/>
+          <a:ext cx="0" cy="0"/>
+          <a:chOff x="0" y="0"/>
+          <a:chExt cx="0" cy="0"/>
+        </a:xfrm>
+      </p:grpSpPr>
+      <p:sp>
+        <p:nvSpPr>
+          <p:cNvPr id="2" name="Title 1">
+            <a:extLst>
+              <a:ext uri="{FF2B5EF4-FFF2-40B4-BE49-F238E27FC236}">
+                <a16:creationId xmlns:a16="http://schemas.microsoft.com/office/drawing/2014/main" id="{5FCA20D4-2C77-D9C2-C23B-6012567CD6CD}"/>
+              </a:ext>
+            </a:extLst>
+          </p:cNvPr>
+          <p:cNvSpPr>
+            <a:spLocks noGrp="1"/>
+          </p:cNvSpPr>
+          <p:nvPr>
+            <p:ph type="ctrTitle"/>
+          </p:nvPr>
+        </p:nvSpPr>
+        <p:spPr/>
+        <p:txBody>
+          <a:bodyPr/>
+          <a:lstStyle/>
+          <a:p>
+            <a:endParaRPr lang="en-US"/>
+          </a:p>
+        </p:txBody>
+      </p:sp>
+    </p:spTree>
+    <p:extLst>
+      <p:ext uri="{BB962C8B-B14F-4D97-AF65-F5344CB8AC3E}">
+        <p14:creationId xmlns:p14="http://schemas.microsoft.com/office/powerpoint/2010/main" val="1399348525"/>
+      </p:ext>
+    </p:extLst>
   </p:cSld>
   <p:clrMapOvr>
     <a:masterClrMapping/>
@@ -9732,9 +10341,19 @@
           <a:bodyPr/>
           <a:lstStyle/>
           <a:p>
-            <a:r>
-              <a:rPr dirty="0"/>
-              <a:t>Proposed Approaches (Model)</a:t>
+            <a:pPr algn="l"/>
+            <a:r>
+              <a:rPr lang="en-US" b="1" i="0" dirty="0">
+                <a:solidFill>
+                  <a:srgbClr val="0D0D0D"/>
+                </a:solidFill>
+                <a:effectLst/>
+                <a:highlight>
+                  <a:srgbClr val="FFFFFF"/>
+                </a:highlight>
+                <a:latin typeface="Söhne"/>
+              </a:rPr>
+              <a:t>Collaborative Filtering (User-Based)</a:t>
             </a:r>
           </a:p>
         </p:txBody>
@@ -9751,86 +10370,30 @@
         </p:nvSpPr>
         <p:spPr>
           <a:xfrm>
-            <a:off x="838200" y="1543657"/>
-            <a:ext cx="10515600" cy="1798257"/>
+            <a:off x="5765533" y="1543657"/>
+            <a:ext cx="5978893" cy="4157428"/>
           </a:xfrm>
         </p:spPr>
         <p:txBody>
           <a:bodyPr>
-            <a:normAutofit fontScale="62500" lnSpcReduction="20000"/>
+            <a:normAutofit/>
           </a:bodyPr>
           <a:lstStyle/>
           <a:p>
             <a:r>
-              <a:rPr dirty="0"/>
-              <a:t>Checks for overfitting and underfitting</a:t>
-            </a:r>
-            <a:r>
               <a:rPr lang="en-US" dirty="0"/>
-              <a:t> (SVD w/ Random Search) on synthetic dataset (100k records)</a:t>
-            </a:r>
-          </a:p>
-          <a:p>
-            <a:pPr lvl="1"/>
-            <a:r>
-              <a:rPr lang="en-US" dirty="0"/>
-              <a:t>Training RMSE steadily decreases as we reach 20 epochs, indicating that the model continues to improve. However, since the validation RMSE is relatively constant/slightly increasing this shows the model is overfitting, it is learning the training set. </a:t>
-            </a:r>
-          </a:p>
-          <a:p>
-            <a:pPr lvl="1"/>
-            <a:r>
-              <a:rPr lang="en-US" dirty="0"/>
-              <a:t>Best parameters: {'</a:t>
-            </a:r>
-            <a:r>
-              <a:rPr lang="en-US" dirty="0" err="1"/>
-              <a:t>n_factors</a:t>
-            </a:r>
-            <a:r>
-              <a:rPr lang="en-US" dirty="0"/>
-              <a:t>': 20, '</a:t>
-            </a:r>
-            <a:r>
-              <a:rPr lang="en-US" dirty="0" err="1"/>
-              <a:t>n_epochs</a:t>
-            </a:r>
-            <a:r>
-              <a:rPr lang="en-US" dirty="0"/>
-              <a:t>': 10, '</a:t>
-            </a:r>
-            <a:r>
-              <a:rPr lang="en-US" dirty="0" err="1"/>
-              <a:t>lr_all</a:t>
-            </a:r>
-            <a:r>
-              <a:rPr lang="en-US" dirty="0"/>
-              <a:t>': 0.002, '</a:t>
-            </a:r>
-            <a:r>
-              <a:rPr lang="en-US" dirty="0" err="1"/>
-              <a:t>reg_all</a:t>
-            </a:r>
-            <a:r>
-              <a:rPr lang="en-US" dirty="0"/>
-              <a:t>': 0.02} </a:t>
-            </a:r>
-          </a:p>
-          <a:p>
-            <a:pPr lvl="1"/>
-            <a:r>
-              <a:rPr lang="en-US" dirty="0"/>
-              <a:t>Validation RMSE: 0.9853372223313915</a:t>
-            </a:r>
+              <a:t>X</a:t>
+            </a:r>
+            <a:endParaRPr dirty="0"/>
           </a:p>
         </p:txBody>
       </p:sp>
       <p:sp>
         <p:nvSpPr>
-          <p:cNvPr id="11" name="Slide Number Placeholder 10">
+          <p:cNvPr id="7" name="Slide Number Placeholder 6">
             <a:extLst>
               <a:ext uri="{FF2B5EF4-FFF2-40B4-BE49-F238E27FC236}">
-                <a16:creationId xmlns:a16="http://schemas.microsoft.com/office/drawing/2014/main" id="{6A29F5B9-E5ED-6E68-88CA-E618CAD0CB8D}"/>
+                <a16:creationId xmlns:a16="http://schemas.microsoft.com/office/drawing/2014/main" id="{DD75E283-9C54-BFF4-1AC1-4FA6CBE01A77}"/>
               </a:ext>
             </a:extLst>
           </p:cNvPr>
@@ -9868,7 +10431,7 @@
           <p:cNvPr id="4" name="Picture 3">
             <a:extLst>
               <a:ext uri="{FF2B5EF4-FFF2-40B4-BE49-F238E27FC236}">
-                <a16:creationId xmlns:a16="http://schemas.microsoft.com/office/drawing/2014/main" id="{32D69F11-BC30-6942-2087-325822E0DEC7}"/>
+                <a16:creationId xmlns:a16="http://schemas.microsoft.com/office/drawing/2014/main" id="{D462E718-ED15-7149-6831-243D12F63807}"/>
               </a:ext>
             </a:extLst>
           </p:cNvPr>
@@ -9885,68 +10448,8 @@
         </p:blipFill>
         <p:spPr>
           <a:xfrm>
-            <a:off x="8036292" y="3771651"/>
-            <a:ext cx="3600651" cy="2160391"/>
-          </a:xfrm>
-          <a:prstGeom prst="rect">
-            <a:avLst/>
-          </a:prstGeom>
-        </p:spPr>
-      </p:pic>
-      <p:pic>
-        <p:nvPicPr>
-          <p:cNvPr id="12" name="Picture 11">
-            <a:extLst>
-              <a:ext uri="{FF2B5EF4-FFF2-40B4-BE49-F238E27FC236}">
-                <a16:creationId xmlns:a16="http://schemas.microsoft.com/office/drawing/2014/main" id="{32D9F664-6E30-A1D0-225F-A5DC6813A035}"/>
-              </a:ext>
-            </a:extLst>
-          </p:cNvPr>
-          <p:cNvPicPr>
-            <a:picLocks noChangeAspect="1"/>
-          </p:cNvPicPr>
-          <p:nvPr/>
-        </p:nvPicPr>
-        <p:blipFill>
-          <a:blip r:embed="rId3"/>
-          <a:stretch>
-            <a:fillRect/>
-          </a:stretch>
-        </p:blipFill>
-        <p:spPr>
-          <a:xfrm>
-            <a:off x="4009164" y="3794517"/>
-            <a:ext cx="3524428" cy="2114657"/>
-          </a:xfrm>
-          <a:prstGeom prst="rect">
-            <a:avLst/>
-          </a:prstGeom>
-        </p:spPr>
-      </p:pic>
-      <p:pic>
-        <p:nvPicPr>
-          <p:cNvPr id="13" name="Picture 12">
-            <a:extLst>
-              <a:ext uri="{FF2B5EF4-FFF2-40B4-BE49-F238E27FC236}">
-                <a16:creationId xmlns:a16="http://schemas.microsoft.com/office/drawing/2014/main" id="{2CCC2CEE-6E48-1F02-EFF4-E721D7B973E9}"/>
-              </a:ext>
-            </a:extLst>
-          </p:cNvPr>
-          <p:cNvPicPr>
-            <a:picLocks noChangeAspect="1"/>
-          </p:cNvPicPr>
-          <p:nvPr/>
-        </p:nvPicPr>
-        <p:blipFill>
-          <a:blip r:embed="rId4"/>
-          <a:stretch>
-            <a:fillRect/>
-          </a:stretch>
-        </p:blipFill>
-        <p:spPr>
-          <a:xfrm>
-            <a:off x="233386" y="3771651"/>
-            <a:ext cx="3524428" cy="2114657"/>
+            <a:off x="1020536" y="1690439"/>
+            <a:ext cx="3264081" cy="3477121"/>
           </a:xfrm>
           <a:prstGeom prst="rect">
             <a:avLst/>
@@ -9956,7 +10459,7 @@
     </p:spTree>
     <p:extLst>
       <p:ext uri="{BB962C8B-B14F-4D97-AF65-F5344CB8AC3E}">
-        <p14:creationId xmlns:p14="http://schemas.microsoft.com/office/powerpoint/2010/main" val="371338522"/>
+        <p14:creationId xmlns:p14="http://schemas.microsoft.com/office/powerpoint/2010/main" val="2124369815"/>
       </p:ext>
     </p:extLst>
   </p:cSld>
